--- a/Defensa/Defensa.pptx
+++ b/Defensa/Defensa.pptx
@@ -5,10 +5,10 @@
     <p:sldMasterId id="2147483648" r:id="rId1"/>
   </p:sldMasterIdLst>
   <p:notesMasterIdLst>
-    <p:notesMasterId r:id="rId14"/>
+    <p:notesMasterId r:id="rId17"/>
   </p:notesMasterIdLst>
   <p:handoutMasterIdLst>
-    <p:handoutMasterId r:id="rId15"/>
+    <p:handoutMasterId r:id="rId18"/>
   </p:handoutMasterIdLst>
   <p:sldIdLst>
     <p:sldId id="256" r:id="rId2"/>
@@ -23,6 +23,9 @@
     <p:sldId id="268" r:id="rId11"/>
     <p:sldId id="263" r:id="rId12"/>
     <p:sldId id="267" r:id="rId13"/>
+    <p:sldId id="269" r:id="rId14"/>
+    <p:sldId id="270" r:id="rId15"/>
+    <p:sldId id="271" r:id="rId16"/>
   </p:sldIdLst>
   <p:sldSz cx="9144000" cy="6858000" type="screen4x3"/>
   <p:notesSz cx="6858000" cy="9144000"/>
@@ -210,7 +213,7 @@
           <a:p>
             <a:fld id="{F69F84D8-BC80-48B6-95A7-60E47B347B22}" type="datetimeFigureOut">
               <a:rPr lang="es-ES" smtClean="0"/>
-              <a:t>12/12/2016</a:t>
+              <a:t>13/12/2016</a:t>
             </a:fld>
             <a:endParaRPr lang="es-ES"/>
           </a:p>
@@ -380,7 +383,7 @@
           <a:p>
             <a:fld id="{7AF7D300-F8B8-4A3E-9E51-3DBF14BFE534}" type="datetimeFigureOut">
               <a:rPr lang="es-ES" smtClean="0"/>
-              <a:t>12/12/2016</a:t>
+              <a:t>13/12/2016</a:t>
             </a:fld>
             <a:endParaRPr lang="es-ES"/>
           </a:p>
@@ -1036,6 +1039,327 @@
             <a:fld id="{F6EC932F-7E40-4A9D-860D-8369AEE1ADB1}" type="slidenum">
               <a:rPr lang="es-ES" smtClean="0"/>
               <a:t>12</a:t>
+            </a:fld>
+            <a:endParaRPr lang="es-ES"/>
+          </a:p>
+        </p:txBody>
+      </p:sp>
+      <p:sp>
+        <p:nvSpPr>
+          <p:cNvPr id="5" name="4 Marcador de encabezado"/>
+          <p:cNvSpPr>
+            <a:spLocks noGrp="1"/>
+          </p:cNvSpPr>
+          <p:nvPr>
+            <p:ph type="hdr" sz="quarter" idx="11"/>
+          </p:nvPr>
+        </p:nvSpPr>
+        <p:spPr/>
+        <p:txBody>
+          <a:bodyPr/>
+          <a:lstStyle/>
+          <a:p>
+            <a:r>
+              <a:rPr lang="es-ES" smtClean="0"/>
+              <a:t>Defensa de tésis de licenciatura</a:t>
+            </a:r>
+            <a:endParaRPr lang="es-ES"/>
+          </a:p>
+        </p:txBody>
+      </p:sp>
+    </p:spTree>
+    <p:extLst>
+      <p:ext uri="{BB962C8B-B14F-4D97-AF65-F5344CB8AC3E}">
+        <p14:creationId xmlns:p14="http://schemas.microsoft.com/office/powerpoint/2010/main" val="1229306465"/>
+      </p:ext>
+    </p:extLst>
+  </p:cSld>
+  <p:clrMapOvr>
+    <a:masterClrMapping/>
+  </p:clrMapOvr>
+</p:notes>
+</file>
+
+<file path=ppt/notesSlides/notesSlide13.xml><?xml version="1.0" encoding="utf-8"?>
+<p:notes xmlns:a="http://schemas.openxmlformats.org/drawingml/2006/main" xmlns:r="http://schemas.openxmlformats.org/officeDocument/2006/relationships" xmlns:p="http://schemas.openxmlformats.org/presentationml/2006/main">
+  <p:cSld>
+    <p:spTree>
+      <p:nvGrpSpPr>
+        <p:cNvPr id="1" name=""/>
+        <p:cNvGrpSpPr/>
+        <p:nvPr/>
+      </p:nvGrpSpPr>
+      <p:grpSpPr>
+        <a:xfrm>
+          <a:off x="0" y="0"/>
+          <a:ext cx="0" cy="0"/>
+          <a:chOff x="0" y="0"/>
+          <a:chExt cx="0" cy="0"/>
+        </a:xfrm>
+      </p:grpSpPr>
+      <p:sp>
+        <p:nvSpPr>
+          <p:cNvPr id="2" name="1 Marcador de imagen de diapositiva"/>
+          <p:cNvSpPr>
+            <a:spLocks noGrp="1" noRot="1" noChangeAspect="1"/>
+          </p:cNvSpPr>
+          <p:nvPr>
+            <p:ph type="sldImg"/>
+          </p:nvPr>
+        </p:nvSpPr>
+        <p:spPr/>
+      </p:sp>
+      <p:sp>
+        <p:nvSpPr>
+          <p:cNvPr id="3" name="2 Marcador de notas"/>
+          <p:cNvSpPr>
+            <a:spLocks noGrp="1"/>
+          </p:cNvSpPr>
+          <p:nvPr>
+            <p:ph type="body" idx="1"/>
+          </p:nvPr>
+        </p:nvSpPr>
+        <p:spPr/>
+        <p:txBody>
+          <a:bodyPr/>
+          <a:lstStyle/>
+          <a:p>
+            <a:endParaRPr lang="es-ES"/>
+          </a:p>
+        </p:txBody>
+      </p:sp>
+      <p:sp>
+        <p:nvSpPr>
+          <p:cNvPr id="4" name="3 Marcador de número de diapositiva"/>
+          <p:cNvSpPr>
+            <a:spLocks noGrp="1"/>
+          </p:cNvSpPr>
+          <p:nvPr>
+            <p:ph type="sldNum" sz="quarter" idx="10"/>
+          </p:nvPr>
+        </p:nvSpPr>
+        <p:spPr/>
+        <p:txBody>
+          <a:bodyPr/>
+          <a:lstStyle/>
+          <a:p>
+            <a:fld id="{F6EC932F-7E40-4A9D-860D-8369AEE1ADB1}" type="slidenum">
+              <a:rPr lang="es-ES" smtClean="0"/>
+              <a:t>13</a:t>
+            </a:fld>
+            <a:endParaRPr lang="es-ES"/>
+          </a:p>
+        </p:txBody>
+      </p:sp>
+      <p:sp>
+        <p:nvSpPr>
+          <p:cNvPr id="5" name="4 Marcador de encabezado"/>
+          <p:cNvSpPr>
+            <a:spLocks noGrp="1"/>
+          </p:cNvSpPr>
+          <p:nvPr>
+            <p:ph type="hdr" sz="quarter" idx="11"/>
+          </p:nvPr>
+        </p:nvSpPr>
+        <p:spPr/>
+        <p:txBody>
+          <a:bodyPr/>
+          <a:lstStyle/>
+          <a:p>
+            <a:r>
+              <a:rPr lang="es-ES" smtClean="0"/>
+              <a:t>Defensa de tésis de licenciatura</a:t>
+            </a:r>
+            <a:endParaRPr lang="es-ES"/>
+          </a:p>
+        </p:txBody>
+      </p:sp>
+    </p:spTree>
+    <p:extLst>
+      <p:ext uri="{BB962C8B-B14F-4D97-AF65-F5344CB8AC3E}">
+        <p14:creationId xmlns:p14="http://schemas.microsoft.com/office/powerpoint/2010/main" val="1229306465"/>
+      </p:ext>
+    </p:extLst>
+  </p:cSld>
+  <p:clrMapOvr>
+    <a:masterClrMapping/>
+  </p:clrMapOvr>
+</p:notes>
+</file>
+
+<file path=ppt/notesSlides/notesSlide14.xml><?xml version="1.0" encoding="utf-8"?>
+<p:notes xmlns:a="http://schemas.openxmlformats.org/drawingml/2006/main" xmlns:r="http://schemas.openxmlformats.org/officeDocument/2006/relationships" xmlns:p="http://schemas.openxmlformats.org/presentationml/2006/main">
+  <p:cSld>
+    <p:spTree>
+      <p:nvGrpSpPr>
+        <p:cNvPr id="1" name=""/>
+        <p:cNvGrpSpPr/>
+        <p:nvPr/>
+      </p:nvGrpSpPr>
+      <p:grpSpPr>
+        <a:xfrm>
+          <a:off x="0" y="0"/>
+          <a:ext cx="0" cy="0"/>
+          <a:chOff x="0" y="0"/>
+          <a:chExt cx="0" cy="0"/>
+        </a:xfrm>
+      </p:grpSpPr>
+      <p:sp>
+        <p:nvSpPr>
+          <p:cNvPr id="2" name="1 Marcador de imagen de diapositiva"/>
+          <p:cNvSpPr>
+            <a:spLocks noGrp="1" noRot="1" noChangeAspect="1"/>
+          </p:cNvSpPr>
+          <p:nvPr>
+            <p:ph type="sldImg"/>
+          </p:nvPr>
+        </p:nvSpPr>
+        <p:spPr/>
+      </p:sp>
+      <p:sp>
+        <p:nvSpPr>
+          <p:cNvPr id="3" name="2 Marcador de notas"/>
+          <p:cNvSpPr>
+            <a:spLocks noGrp="1"/>
+          </p:cNvSpPr>
+          <p:nvPr>
+            <p:ph type="body" idx="1"/>
+          </p:nvPr>
+        </p:nvSpPr>
+        <p:spPr/>
+        <p:txBody>
+          <a:bodyPr/>
+          <a:lstStyle/>
+          <a:p>
+            <a:endParaRPr lang="es-ES"/>
+          </a:p>
+        </p:txBody>
+      </p:sp>
+      <p:sp>
+        <p:nvSpPr>
+          <p:cNvPr id="4" name="3 Marcador de número de diapositiva"/>
+          <p:cNvSpPr>
+            <a:spLocks noGrp="1"/>
+          </p:cNvSpPr>
+          <p:nvPr>
+            <p:ph type="sldNum" sz="quarter" idx="10"/>
+          </p:nvPr>
+        </p:nvSpPr>
+        <p:spPr/>
+        <p:txBody>
+          <a:bodyPr/>
+          <a:lstStyle/>
+          <a:p>
+            <a:fld id="{F6EC932F-7E40-4A9D-860D-8369AEE1ADB1}" type="slidenum">
+              <a:rPr lang="es-ES" smtClean="0"/>
+              <a:t>14</a:t>
+            </a:fld>
+            <a:endParaRPr lang="es-ES"/>
+          </a:p>
+        </p:txBody>
+      </p:sp>
+      <p:sp>
+        <p:nvSpPr>
+          <p:cNvPr id="5" name="4 Marcador de encabezado"/>
+          <p:cNvSpPr>
+            <a:spLocks noGrp="1"/>
+          </p:cNvSpPr>
+          <p:nvPr>
+            <p:ph type="hdr" sz="quarter" idx="11"/>
+          </p:nvPr>
+        </p:nvSpPr>
+        <p:spPr/>
+        <p:txBody>
+          <a:bodyPr/>
+          <a:lstStyle/>
+          <a:p>
+            <a:r>
+              <a:rPr lang="es-ES" smtClean="0"/>
+              <a:t>Defensa de tésis de licenciatura</a:t>
+            </a:r>
+            <a:endParaRPr lang="es-ES"/>
+          </a:p>
+        </p:txBody>
+      </p:sp>
+    </p:spTree>
+    <p:extLst>
+      <p:ext uri="{BB962C8B-B14F-4D97-AF65-F5344CB8AC3E}">
+        <p14:creationId xmlns:p14="http://schemas.microsoft.com/office/powerpoint/2010/main" val="1229306465"/>
+      </p:ext>
+    </p:extLst>
+  </p:cSld>
+  <p:clrMapOvr>
+    <a:masterClrMapping/>
+  </p:clrMapOvr>
+</p:notes>
+</file>
+
+<file path=ppt/notesSlides/notesSlide15.xml><?xml version="1.0" encoding="utf-8"?>
+<p:notes xmlns:a="http://schemas.openxmlformats.org/drawingml/2006/main" xmlns:r="http://schemas.openxmlformats.org/officeDocument/2006/relationships" xmlns:p="http://schemas.openxmlformats.org/presentationml/2006/main">
+  <p:cSld>
+    <p:spTree>
+      <p:nvGrpSpPr>
+        <p:cNvPr id="1" name=""/>
+        <p:cNvGrpSpPr/>
+        <p:nvPr/>
+      </p:nvGrpSpPr>
+      <p:grpSpPr>
+        <a:xfrm>
+          <a:off x="0" y="0"/>
+          <a:ext cx="0" cy="0"/>
+          <a:chOff x="0" y="0"/>
+          <a:chExt cx="0" cy="0"/>
+        </a:xfrm>
+      </p:grpSpPr>
+      <p:sp>
+        <p:nvSpPr>
+          <p:cNvPr id="2" name="1 Marcador de imagen de diapositiva"/>
+          <p:cNvSpPr>
+            <a:spLocks noGrp="1" noRot="1" noChangeAspect="1"/>
+          </p:cNvSpPr>
+          <p:nvPr>
+            <p:ph type="sldImg"/>
+          </p:nvPr>
+        </p:nvSpPr>
+        <p:spPr/>
+      </p:sp>
+      <p:sp>
+        <p:nvSpPr>
+          <p:cNvPr id="3" name="2 Marcador de notas"/>
+          <p:cNvSpPr>
+            <a:spLocks noGrp="1"/>
+          </p:cNvSpPr>
+          <p:nvPr>
+            <p:ph type="body" idx="1"/>
+          </p:nvPr>
+        </p:nvSpPr>
+        <p:spPr/>
+        <p:txBody>
+          <a:bodyPr/>
+          <a:lstStyle/>
+          <a:p>
+            <a:endParaRPr lang="es-ES"/>
+          </a:p>
+        </p:txBody>
+      </p:sp>
+      <p:sp>
+        <p:nvSpPr>
+          <p:cNvPr id="4" name="3 Marcador de número de diapositiva"/>
+          <p:cNvSpPr>
+            <a:spLocks noGrp="1"/>
+          </p:cNvSpPr>
+          <p:nvPr>
+            <p:ph type="sldNum" sz="quarter" idx="10"/>
+          </p:nvPr>
+        </p:nvSpPr>
+        <p:spPr/>
+        <p:txBody>
+          <a:bodyPr/>
+          <a:lstStyle/>
+          <a:p>
+            <a:fld id="{F6EC932F-7E40-4A9D-860D-8369AEE1ADB1}" type="slidenum">
+              <a:rPr lang="es-ES" smtClean="0"/>
+              <a:t>15</a:t>
             </a:fld>
             <a:endParaRPr lang="es-ES"/>
           </a:p>
@@ -5288,13 +5612,7 @@
               <a:rPr lang="es-ES" sz="3200" dirty="0" smtClean="0">
                 <a:latin typeface="+mj-lt"/>
               </a:rPr>
-              <a:t>Una vez generados los estímulos</a:t>
-            </a:r>
-            <a:r>
-              <a:rPr lang="es-ES" sz="3200" dirty="0" smtClean="0">
-                <a:latin typeface="+mj-lt"/>
-              </a:rPr>
-              <a:t>, necesitábamos una interfaz para medir el desempeño de los sujetos.</a:t>
+              <a:t>Una vez generados los estímulos, necesitábamos una interfaz para medir el desempeño de los sujetos.</a:t>
             </a:r>
             <a:endParaRPr lang="es-ES" sz="3200" dirty="0">
               <a:latin typeface="+mj-lt"/>
@@ -5451,13 +5769,7 @@
               <a:rPr lang="es-ES" sz="3200" dirty="0" smtClean="0">
                 <a:latin typeface="+mj-lt"/>
               </a:rPr>
-              <a:t>Una vez generados los estímulos</a:t>
-            </a:r>
-            <a:r>
-              <a:rPr lang="es-ES" sz="3200" dirty="0" smtClean="0">
-                <a:latin typeface="+mj-lt"/>
-              </a:rPr>
-              <a:t>, necesitábamos una interfaz para medir el desempeño de los sujetos.</a:t>
+              <a:t>Una vez generados los estímulos, necesitábamos una interfaz para medir el desempeño de los sujetos.</a:t>
             </a:r>
             <a:endParaRPr lang="es-ES" sz="3200" dirty="0">
               <a:latin typeface="+mj-lt"/>
@@ -5497,19 +5809,7 @@
             <a:pPr algn="ctr"/>
             <a:r>
               <a:rPr lang="es-ES" sz="2000" dirty="0" smtClean="0"/>
-              <a:t>Desarrollar este software fue </a:t>
-            </a:r>
-            <a:r>
-              <a:rPr lang="es-ES" sz="2000" dirty="0" smtClean="0"/>
-              <a:t>(medido en tiempo) la </a:t>
-            </a:r>
-            <a:r>
-              <a:rPr lang="es-ES" sz="2000" dirty="0" smtClean="0"/>
-              <a:t>mayor parte del trabajo </a:t>
-            </a:r>
-            <a:r>
-              <a:rPr lang="es-ES" sz="2000" dirty="0" smtClean="0"/>
-              <a:t>realizado.</a:t>
+              <a:t>Desarrollar este software fue (medido en tiempo) la mayor parte del trabajo realizado.</a:t>
             </a:r>
             <a:endParaRPr lang="es-ES" sz="2000" dirty="0"/>
           </a:p>
@@ -5675,7 +5975,7 @@
         </p:nvSpPr>
         <p:spPr>
           <a:xfrm>
-            <a:off x="1" y="323945"/>
+            <a:off x="1" y="457508"/>
             <a:ext cx="9143999" cy="584775"/>
           </a:xfrm>
           <a:prstGeom prst="rect">
@@ -5694,7 +5994,7 @@
               <a:rPr lang="es-ES" sz="3200" dirty="0" smtClean="0">
                 <a:latin typeface="+mj-lt"/>
               </a:rPr>
-              <a:t>La invariancia (o no) frente a rotaciones.</a:t>
+              <a:t>Primeros resultados</a:t>
             </a:r>
             <a:endParaRPr lang="es-ES" sz="3200" dirty="0">
               <a:latin typeface="+mj-lt"/>
@@ -5797,9 +6097,75 @@
           </a:p>
         </p:txBody>
       </p:sp>
+      <p:sp>
+        <p:nvSpPr>
+          <p:cNvPr id="7" name="6 CuadroTexto"/>
+          <p:cNvSpPr txBox="1"/>
+          <p:nvPr/>
+        </p:nvSpPr>
+        <p:spPr>
+          <a:xfrm>
+            <a:off x="24808" y="3968482"/>
+            <a:ext cx="5007525" cy="369332"/>
+          </a:xfrm>
+          <a:prstGeom prst="rect">
+            <a:avLst/>
+          </a:prstGeom>
+          <a:noFill/>
+        </p:spPr>
+        <p:txBody>
+          <a:bodyPr wrap="none" rtlCol="0">
+            <a:spAutoFit/>
+          </a:bodyPr>
+          <a:lstStyle/>
+          <a:p>
+            <a:r>
+              <a:rPr lang="es-ES" dirty="0" smtClean="0"/>
+              <a:t>Ejemplo de resultados obtenidos en la etapa inicial:</a:t>
+            </a:r>
+            <a:endParaRPr lang="es-ES" dirty="0"/>
+          </a:p>
+        </p:txBody>
+      </p:sp>
+      <p:sp>
+        <p:nvSpPr>
+          <p:cNvPr id="11" name="10 CuadroTexto"/>
+          <p:cNvSpPr txBox="1"/>
+          <p:nvPr/>
+        </p:nvSpPr>
+        <p:spPr>
+          <a:xfrm>
+            <a:off x="-5824" y="6093296"/>
+            <a:ext cx="9149822" cy="646331"/>
+          </a:xfrm>
+          <a:prstGeom prst="rect">
+            <a:avLst/>
+          </a:prstGeom>
+          <a:noFill/>
+        </p:spPr>
+        <p:txBody>
+          <a:bodyPr wrap="square" rtlCol="0">
+            <a:spAutoFit/>
+          </a:bodyPr>
+          <a:lstStyle/>
+          <a:p>
+            <a:r>
+              <a:rPr lang="es-ES" dirty="0" smtClean="0"/>
+              <a:t>Conclusión: Necesitábamos caracterizar la dificultad de percibir características geométricas sin conocer a priori las capacidades de los sujetos. -</a:t>
+            </a:r>
+            <a:r>
+              <a:rPr lang="es-ES" dirty="0" smtClean="0">
+                <a:sym typeface="Wingdings" pitchFamily="2" charset="2"/>
+              </a:rPr>
+              <a:t>--&gt; Medición de umbral de detección.</a:t>
+            </a:r>
+            <a:endParaRPr lang="es-ES" dirty="0"/>
+          </a:p>
+        </p:txBody>
+      </p:sp>
       <p:pic>
         <p:nvPicPr>
-          <p:cNvPr id="5" name="4 Imagen"/>
+          <p:cNvPr id="4" name="3 Imagen"/>
           <p:cNvPicPr>
             <a:picLocks noChangeAspect="1"/>
           </p:cNvPicPr>
@@ -5819,84 +6185,2145 @@
         </p:blipFill>
         <p:spPr>
           <a:xfrm>
-            <a:off x="-2" y="4365104"/>
-            <a:ext cx="9144000" cy="1141770"/>
+            <a:off x="1" y="4359671"/>
+            <a:ext cx="9144000" cy="1720085"/>
           </a:xfrm>
           <a:prstGeom prst="rect">
             <a:avLst/>
           </a:prstGeom>
         </p:spPr>
       </p:pic>
-      <p:sp>
-        <p:nvSpPr>
-          <p:cNvPr id="7" name="6 CuadroTexto"/>
-          <p:cNvSpPr txBox="1"/>
-          <p:nvPr/>
-        </p:nvSpPr>
-        <p:spPr>
-          <a:xfrm>
-            <a:off x="24808" y="3968482"/>
-            <a:ext cx="5007525" cy="369332"/>
-          </a:xfrm>
-          <a:prstGeom prst="rect">
-            <a:avLst/>
-          </a:prstGeom>
-          <a:noFill/>
-        </p:spPr>
-        <p:txBody>
-          <a:bodyPr wrap="none" rtlCol="0">
-            <a:spAutoFit/>
-          </a:bodyPr>
-          <a:lstStyle/>
-          <a:p>
-            <a:r>
-              <a:rPr lang="es-ES" dirty="0" smtClean="0"/>
-              <a:t>Ejemplo de resultados obtenidos en la etapa inicial:</a:t>
-            </a:r>
-            <a:endParaRPr lang="es-ES" dirty="0"/>
-          </a:p>
-        </p:txBody>
-      </p:sp>
-      <p:sp>
-        <p:nvSpPr>
-          <p:cNvPr id="11" name="10 CuadroTexto"/>
-          <p:cNvSpPr txBox="1"/>
-          <p:nvPr/>
-        </p:nvSpPr>
-        <p:spPr>
-          <a:xfrm>
-            <a:off x="0" y="5710051"/>
-            <a:ext cx="9143999" cy="646331"/>
-          </a:xfrm>
-          <a:prstGeom prst="rect">
-            <a:avLst/>
-          </a:prstGeom>
-          <a:noFill/>
-        </p:spPr>
-        <p:txBody>
-          <a:bodyPr wrap="square" rtlCol="0">
-            <a:spAutoFit/>
-          </a:bodyPr>
-          <a:lstStyle/>
-          <a:p>
-            <a:r>
-              <a:rPr lang="es-ES" dirty="0" smtClean="0"/>
-              <a:t>Conclusión: Necesitábamos caracterizar la dificultad de percibir características geométricas sin conocer a priori las capacidades de los sujetos. -</a:t>
-            </a:r>
-            <a:r>
-              <a:rPr lang="es-ES" dirty="0" smtClean="0">
-                <a:sym typeface="Wingdings" pitchFamily="2" charset="2"/>
-              </a:rPr>
-              <a:t>--&gt; Medición de umbral de detección.</a:t>
-            </a:r>
-            <a:endParaRPr lang="es-ES" dirty="0"/>
-          </a:p>
-        </p:txBody>
-      </p:sp>
     </p:spTree>
     <p:extLst>
       <p:ext uri="{BB962C8B-B14F-4D97-AF65-F5344CB8AC3E}">
         <p14:creationId xmlns:p14="http://schemas.microsoft.com/office/powerpoint/2010/main" val="999737451"/>
+      </p:ext>
+    </p:extLst>
+  </p:cSld>
+  <p:clrMapOvr>
+    <a:masterClrMapping/>
+  </p:clrMapOvr>
+  <p:timing>
+    <p:tnLst>
+      <p:par>
+        <p:cTn id="1" dur="indefinite" restart="never" nodeType="tmRoot"/>
+      </p:par>
+    </p:tnLst>
+  </p:timing>
+</p:sld>
+</file>
+
+<file path=ppt/slides/slide13.xml><?xml version="1.0" encoding="utf-8"?>
+<p:sld xmlns:a="http://schemas.openxmlformats.org/drawingml/2006/main" xmlns:r="http://schemas.openxmlformats.org/officeDocument/2006/relationships" xmlns:p="http://schemas.openxmlformats.org/presentationml/2006/main">
+  <p:cSld>
+    <p:spTree>
+      <p:nvGrpSpPr>
+        <p:cNvPr id="1" name=""/>
+        <p:cNvGrpSpPr/>
+        <p:nvPr/>
+      </p:nvGrpSpPr>
+      <p:grpSpPr>
+        <a:xfrm>
+          <a:off x="0" y="0"/>
+          <a:ext cx="0" cy="0"/>
+          <a:chOff x="0" y="0"/>
+          <a:chExt cx="0" cy="0"/>
+        </a:xfrm>
+      </p:grpSpPr>
+      <p:sp>
+        <p:nvSpPr>
+          <p:cNvPr id="3" name="2 CuadroTexto"/>
+          <p:cNvSpPr txBox="1"/>
+          <p:nvPr/>
+        </p:nvSpPr>
+        <p:spPr>
+          <a:xfrm>
+            <a:off x="0" y="-1"/>
+            <a:ext cx="2987825" cy="307777"/>
+          </a:xfrm>
+          <a:prstGeom prst="rect">
+            <a:avLst/>
+          </a:prstGeom>
+          <a:noFill/>
+        </p:spPr>
+        <p:txBody>
+          <a:bodyPr wrap="square" rtlCol="0">
+            <a:spAutoFit/>
+          </a:bodyPr>
+          <a:lstStyle/>
+          <a:p>
+            <a:r>
+              <a:rPr lang="es-ES" sz="1400" dirty="0" smtClean="0">
+                <a:solidFill>
+                  <a:schemeClr val="bg1">
+                    <a:lumMod val="50000"/>
+                  </a:schemeClr>
+                </a:solidFill>
+              </a:rPr>
+              <a:t>Herramientas desarrolladas </a:t>
+            </a:r>
+            <a:endParaRPr lang="es-ES" sz="1400" dirty="0">
+              <a:solidFill>
+                <a:schemeClr val="bg1">
+                  <a:lumMod val="50000"/>
+                </a:schemeClr>
+              </a:solidFill>
+            </a:endParaRPr>
+          </a:p>
+        </p:txBody>
+      </p:sp>
+      <p:sp>
+        <p:nvSpPr>
+          <p:cNvPr id="6" name="5 CuadroTexto"/>
+          <p:cNvSpPr txBox="1"/>
+          <p:nvPr/>
+        </p:nvSpPr>
+        <p:spPr>
+          <a:xfrm>
+            <a:off x="6156175" y="0"/>
+            <a:ext cx="2987825" cy="307777"/>
+          </a:xfrm>
+          <a:prstGeom prst="rect">
+            <a:avLst/>
+          </a:prstGeom>
+          <a:noFill/>
+        </p:spPr>
+        <p:txBody>
+          <a:bodyPr wrap="square" rtlCol="0">
+            <a:spAutoFit/>
+          </a:bodyPr>
+          <a:lstStyle/>
+          <a:p>
+            <a:pPr algn="r"/>
+            <a:r>
+              <a:rPr lang="es-ES" sz="1400" dirty="0" smtClean="0">
+                <a:solidFill>
+                  <a:schemeClr val="bg1">
+                    <a:lumMod val="50000"/>
+                  </a:schemeClr>
+                </a:solidFill>
+              </a:rPr>
+              <a:t>Defensa de tesis – Diciembre 2016</a:t>
+            </a:r>
+            <a:endParaRPr lang="es-ES" sz="1400" dirty="0">
+              <a:solidFill>
+                <a:schemeClr val="bg1">
+                  <a:lumMod val="50000"/>
+                </a:schemeClr>
+              </a:solidFill>
+            </a:endParaRPr>
+          </a:p>
+        </p:txBody>
+      </p:sp>
+      <p:sp>
+        <p:nvSpPr>
+          <p:cNvPr id="8" name="7 CuadroTexto"/>
+          <p:cNvSpPr txBox="1"/>
+          <p:nvPr/>
+        </p:nvSpPr>
+        <p:spPr>
+          <a:xfrm>
+            <a:off x="1" y="323945"/>
+            <a:ext cx="9143999" cy="584775"/>
+          </a:xfrm>
+          <a:prstGeom prst="rect">
+            <a:avLst/>
+          </a:prstGeom>
+          <a:noFill/>
+        </p:spPr>
+        <p:txBody>
+          <a:bodyPr wrap="square" rtlCol="0">
+            <a:spAutoFit/>
+          </a:bodyPr>
+          <a:lstStyle/>
+          <a:p>
+            <a:pPr algn="ctr"/>
+            <a:r>
+              <a:rPr lang="es-ES" sz="3200" dirty="0" smtClean="0">
+                <a:latin typeface="+mj-lt"/>
+              </a:rPr>
+              <a:t>Algoritmos tipo </a:t>
+            </a:r>
+            <a:r>
+              <a:rPr lang="es-ES" sz="3200" dirty="0" err="1" smtClean="0">
+                <a:latin typeface="+mj-lt"/>
+              </a:rPr>
+              <a:t>staircase</a:t>
+            </a:r>
+            <a:endParaRPr lang="es-ES" sz="3200" dirty="0">
+              <a:latin typeface="+mj-lt"/>
+            </a:endParaRPr>
+          </a:p>
+        </p:txBody>
+      </p:sp>
+      <p:pic>
+        <p:nvPicPr>
+          <p:cNvPr id="5" name="4 Imagen"/>
+          <p:cNvPicPr>
+            <a:picLocks noChangeAspect="1"/>
+          </p:cNvPicPr>
+          <p:nvPr/>
+        </p:nvPicPr>
+        <p:blipFill>
+          <a:blip r:embed="rId3" cstate="print">
+            <a:extLst>
+              <a:ext uri="{28A0092B-C50C-407E-A947-70E740481C1C}">
+                <a14:useLocalDpi xmlns:a14="http://schemas.microsoft.com/office/drawing/2010/main" val="0"/>
+              </a:ext>
+            </a:extLst>
+          </a:blip>
+          <a:stretch>
+            <a:fillRect/>
+          </a:stretch>
+        </p:blipFill>
+        <p:spPr>
+          <a:xfrm>
+            <a:off x="3772997" y="2061369"/>
+            <a:ext cx="5175543" cy="3970783"/>
+          </a:xfrm>
+          <a:prstGeom prst="rect">
+            <a:avLst/>
+          </a:prstGeom>
+        </p:spPr>
+      </p:pic>
+      <p:pic>
+        <p:nvPicPr>
+          <p:cNvPr id="10" name="9 Imagen"/>
+          <p:cNvPicPr>
+            <a:picLocks noChangeAspect="1"/>
+          </p:cNvPicPr>
+          <p:nvPr/>
+        </p:nvPicPr>
+        <p:blipFill>
+          <a:blip r:embed="rId4">
+            <a:extLst>
+              <a:ext uri="{28A0092B-C50C-407E-A947-70E740481C1C}">
+                <a14:useLocalDpi xmlns:a14="http://schemas.microsoft.com/office/drawing/2010/main" val="0"/>
+              </a:ext>
+            </a:extLst>
+          </a:blip>
+          <a:stretch>
+            <a:fillRect/>
+          </a:stretch>
+        </p:blipFill>
+        <p:spPr>
+          <a:xfrm>
+            <a:off x="423150" y="5229200"/>
+            <a:ext cx="923925" cy="923925"/>
+          </a:xfrm>
+          <a:prstGeom prst="rect">
+            <a:avLst/>
+          </a:prstGeom>
+        </p:spPr>
+      </p:pic>
+      <p:pic>
+        <p:nvPicPr>
+          <p:cNvPr id="12" name="11 Imagen"/>
+          <p:cNvPicPr>
+            <a:picLocks noChangeAspect="1"/>
+          </p:cNvPicPr>
+          <p:nvPr/>
+        </p:nvPicPr>
+        <p:blipFill>
+          <a:blip r:embed="rId5">
+            <a:extLst>
+              <a:ext uri="{28A0092B-C50C-407E-A947-70E740481C1C}">
+                <a14:useLocalDpi xmlns:a14="http://schemas.microsoft.com/office/drawing/2010/main" val="0"/>
+              </a:ext>
+            </a:extLst>
+          </a:blip>
+          <a:stretch>
+            <a:fillRect/>
+          </a:stretch>
+        </p:blipFill>
+        <p:spPr>
+          <a:xfrm>
+            <a:off x="2430810" y="5146327"/>
+            <a:ext cx="885825" cy="885825"/>
+          </a:xfrm>
+          <a:prstGeom prst="rect">
+            <a:avLst/>
+          </a:prstGeom>
+        </p:spPr>
+      </p:pic>
+      <p:pic>
+        <p:nvPicPr>
+          <p:cNvPr id="13" name="12 Imagen"/>
+          <p:cNvPicPr>
+            <a:picLocks noChangeAspect="1"/>
+          </p:cNvPicPr>
+          <p:nvPr/>
+        </p:nvPicPr>
+        <p:blipFill>
+          <a:blip r:embed="rId6">
+            <a:extLst>
+              <a:ext uri="{28A0092B-C50C-407E-A947-70E740481C1C}">
+                <a14:useLocalDpi xmlns:a14="http://schemas.microsoft.com/office/drawing/2010/main" val="0"/>
+              </a:ext>
+            </a:extLst>
+          </a:blip>
+          <a:stretch>
+            <a:fillRect/>
+          </a:stretch>
+        </p:blipFill>
+        <p:spPr>
+          <a:xfrm>
+            <a:off x="423150" y="4213762"/>
+            <a:ext cx="904875" cy="876300"/>
+          </a:xfrm>
+          <a:prstGeom prst="rect">
+            <a:avLst/>
+          </a:prstGeom>
+        </p:spPr>
+      </p:pic>
+      <p:pic>
+        <p:nvPicPr>
+          <p:cNvPr id="14" name="13 Imagen"/>
+          <p:cNvPicPr>
+            <a:picLocks noChangeAspect="1"/>
+          </p:cNvPicPr>
+          <p:nvPr/>
+        </p:nvPicPr>
+        <p:blipFill>
+          <a:blip r:embed="rId7">
+            <a:extLst>
+              <a:ext uri="{28A0092B-C50C-407E-A947-70E740481C1C}">
+                <a14:useLocalDpi xmlns:a14="http://schemas.microsoft.com/office/drawing/2010/main" val="0"/>
+              </a:ext>
+            </a:extLst>
+          </a:blip>
+          <a:stretch>
+            <a:fillRect/>
+          </a:stretch>
+        </p:blipFill>
+        <p:spPr>
+          <a:xfrm>
+            <a:off x="2411760" y="4204237"/>
+            <a:ext cx="885825" cy="895350"/>
+          </a:xfrm>
+          <a:prstGeom prst="rect">
+            <a:avLst/>
+          </a:prstGeom>
+        </p:spPr>
+      </p:pic>
+      <p:pic>
+        <p:nvPicPr>
+          <p:cNvPr id="15" name="14 Imagen"/>
+          <p:cNvPicPr>
+            <a:picLocks noChangeAspect="1"/>
+          </p:cNvPicPr>
+          <p:nvPr/>
+        </p:nvPicPr>
+        <p:blipFill>
+          <a:blip r:embed="rId8">
+            <a:extLst>
+              <a:ext uri="{28A0092B-C50C-407E-A947-70E740481C1C}">
+                <a14:useLocalDpi xmlns:a14="http://schemas.microsoft.com/office/drawing/2010/main" val="0"/>
+              </a:ext>
+            </a:extLst>
+          </a:blip>
+          <a:stretch>
+            <a:fillRect/>
+          </a:stretch>
+        </p:blipFill>
+        <p:spPr>
+          <a:xfrm>
+            <a:off x="2411760" y="3319425"/>
+            <a:ext cx="904875" cy="895350"/>
+          </a:xfrm>
+          <a:prstGeom prst="rect">
+            <a:avLst/>
+          </a:prstGeom>
+        </p:spPr>
+      </p:pic>
+      <p:pic>
+        <p:nvPicPr>
+          <p:cNvPr id="16" name="15 Imagen"/>
+          <p:cNvPicPr>
+            <a:picLocks noChangeAspect="1"/>
+          </p:cNvPicPr>
+          <p:nvPr/>
+        </p:nvPicPr>
+        <p:blipFill>
+          <a:blip r:embed="rId9">
+            <a:extLst>
+              <a:ext uri="{28A0092B-C50C-407E-A947-70E740481C1C}">
+                <a14:useLocalDpi xmlns:a14="http://schemas.microsoft.com/office/drawing/2010/main" val="0"/>
+              </a:ext>
+            </a:extLst>
+          </a:blip>
+          <a:stretch>
+            <a:fillRect/>
+          </a:stretch>
+        </p:blipFill>
+        <p:spPr>
+          <a:xfrm>
+            <a:off x="423150" y="3309900"/>
+            <a:ext cx="847725" cy="904875"/>
+          </a:xfrm>
+          <a:prstGeom prst="rect">
+            <a:avLst/>
+          </a:prstGeom>
+        </p:spPr>
+      </p:pic>
+      <p:pic>
+        <p:nvPicPr>
+          <p:cNvPr id="17" name="16 Imagen"/>
+          <p:cNvPicPr>
+            <a:picLocks noChangeAspect="1"/>
+          </p:cNvPicPr>
+          <p:nvPr/>
+        </p:nvPicPr>
+        <p:blipFill>
+          <a:blip r:embed="rId10">
+            <a:extLst>
+              <a:ext uri="{28A0092B-C50C-407E-A947-70E740481C1C}">
+                <a14:useLocalDpi xmlns:a14="http://schemas.microsoft.com/office/drawing/2010/main" val="0"/>
+              </a:ext>
+            </a:extLst>
+          </a:blip>
+          <a:stretch>
+            <a:fillRect/>
+          </a:stretch>
+        </p:blipFill>
+        <p:spPr>
+          <a:xfrm>
+            <a:off x="1475656" y="2067694"/>
+            <a:ext cx="876300" cy="857250"/>
+          </a:xfrm>
+          <a:prstGeom prst="rect">
+            <a:avLst/>
+          </a:prstGeom>
+        </p:spPr>
+      </p:pic>
+      <p:sp>
+        <p:nvSpPr>
+          <p:cNvPr id="18" name="17 CuadroTexto"/>
+          <p:cNvSpPr txBox="1"/>
+          <p:nvPr/>
+        </p:nvSpPr>
+        <p:spPr>
+          <a:xfrm>
+            <a:off x="1172673" y="1795972"/>
+            <a:ext cx="1681999" cy="369332"/>
+          </a:xfrm>
+          <a:prstGeom prst="rect">
+            <a:avLst/>
+          </a:prstGeom>
+          <a:noFill/>
+        </p:spPr>
+        <p:txBody>
+          <a:bodyPr wrap="none" rtlCol="0">
+            <a:spAutoFit/>
+          </a:bodyPr>
+          <a:lstStyle/>
+          <a:p>
+            <a:r>
+              <a:rPr lang="es-ES" dirty="0" smtClean="0"/>
+              <a:t>Estimulo neutro</a:t>
+            </a:r>
+            <a:endParaRPr lang="es-ES" dirty="0"/>
+          </a:p>
+        </p:txBody>
+      </p:sp>
+      <p:sp>
+        <p:nvSpPr>
+          <p:cNvPr id="19" name="18 CuadroTexto"/>
+          <p:cNvSpPr txBox="1"/>
+          <p:nvPr/>
+        </p:nvSpPr>
+        <p:spPr>
+          <a:xfrm>
+            <a:off x="903593" y="2924944"/>
+            <a:ext cx="2020425" cy="369332"/>
+          </a:xfrm>
+          <a:prstGeom prst="rect">
+            <a:avLst/>
+          </a:prstGeom>
+          <a:noFill/>
+        </p:spPr>
+        <p:txBody>
+          <a:bodyPr wrap="none" rtlCol="0">
+            <a:spAutoFit/>
+          </a:bodyPr>
+          <a:lstStyle/>
+          <a:p>
+            <a:r>
+              <a:rPr lang="es-ES" dirty="0" err="1" smtClean="0"/>
+              <a:t>Estimulos</a:t>
+            </a:r>
+            <a:r>
+              <a:rPr lang="es-ES" dirty="0" smtClean="0"/>
+              <a:t> con señal</a:t>
+            </a:r>
+            <a:endParaRPr lang="es-ES" dirty="0"/>
+          </a:p>
+        </p:txBody>
+      </p:sp>
+      <p:cxnSp>
+        <p:nvCxnSpPr>
+          <p:cNvPr id="21" name="20 Conector recto de flecha"/>
+          <p:cNvCxnSpPr/>
+          <p:nvPr/>
+        </p:nvCxnSpPr>
+        <p:spPr>
+          <a:xfrm>
+            <a:off x="1835696" y="3645024"/>
+            <a:ext cx="0" cy="2232248"/>
+          </a:xfrm>
+          <a:prstGeom prst="straightConnector1">
+            <a:avLst/>
+          </a:prstGeom>
+          <a:ln w="57150">
+            <a:tailEnd type="arrow"/>
+          </a:ln>
+        </p:spPr>
+        <p:style>
+          <a:lnRef idx="1">
+            <a:schemeClr val="accent1"/>
+          </a:lnRef>
+          <a:fillRef idx="0">
+            <a:schemeClr val="accent1"/>
+          </a:fillRef>
+          <a:effectRef idx="0">
+            <a:schemeClr val="accent1"/>
+          </a:effectRef>
+          <a:fontRef idx="minor">
+            <a:schemeClr val="tx1"/>
+          </a:fontRef>
+        </p:style>
+      </p:cxnSp>
+      <p:sp>
+        <p:nvSpPr>
+          <p:cNvPr id="22" name="21 CuadroTexto"/>
+          <p:cNvSpPr txBox="1"/>
+          <p:nvPr/>
+        </p:nvSpPr>
+        <p:spPr>
+          <a:xfrm>
+            <a:off x="1388839" y="3914480"/>
+            <a:ext cx="461665" cy="1242712"/>
+          </a:xfrm>
+          <a:prstGeom prst="rect">
+            <a:avLst/>
+          </a:prstGeom>
+          <a:noFill/>
+        </p:spPr>
+        <p:txBody>
+          <a:bodyPr vert="vert270" wrap="none" rtlCol="0">
+            <a:spAutoFit/>
+          </a:bodyPr>
+          <a:lstStyle/>
+          <a:p>
+            <a:r>
+              <a:rPr lang="es-ES" dirty="0" smtClean="0"/>
+              <a:t>Mayor señal</a:t>
+            </a:r>
+            <a:endParaRPr lang="es-ES" dirty="0"/>
+          </a:p>
+        </p:txBody>
+      </p:sp>
+      <p:sp>
+        <p:nvSpPr>
+          <p:cNvPr id="23" name="22 CuadroTexto"/>
+          <p:cNvSpPr txBox="1"/>
+          <p:nvPr/>
+        </p:nvSpPr>
+        <p:spPr>
+          <a:xfrm>
+            <a:off x="1763688" y="3789040"/>
+            <a:ext cx="461665" cy="1658852"/>
+          </a:xfrm>
+          <a:prstGeom prst="rect">
+            <a:avLst/>
+          </a:prstGeom>
+          <a:noFill/>
+        </p:spPr>
+        <p:txBody>
+          <a:bodyPr vert="vert270" wrap="none" rtlCol="0">
+            <a:spAutoFit/>
+          </a:bodyPr>
+          <a:lstStyle/>
+          <a:p>
+            <a:r>
+              <a:rPr lang="es-ES" dirty="0" smtClean="0"/>
+              <a:t>Menor dificultad</a:t>
+            </a:r>
+            <a:endParaRPr lang="es-ES" dirty="0"/>
+          </a:p>
+        </p:txBody>
+      </p:sp>
+      <p:sp>
+        <p:nvSpPr>
+          <p:cNvPr id="25" name="24 CuadroTexto"/>
+          <p:cNvSpPr txBox="1"/>
+          <p:nvPr/>
+        </p:nvSpPr>
+        <p:spPr>
+          <a:xfrm>
+            <a:off x="427692" y="1017022"/>
+            <a:ext cx="3171959" cy="615553"/>
+          </a:xfrm>
+          <a:prstGeom prst="rect">
+            <a:avLst/>
+          </a:prstGeom>
+          <a:noFill/>
+        </p:spPr>
+        <p:txBody>
+          <a:bodyPr wrap="none" rtlCol="0">
+            <a:spAutoFit/>
+          </a:bodyPr>
+          <a:lstStyle/>
+          <a:p>
+            <a:r>
+              <a:rPr lang="es-ES" sz="2000" dirty="0" smtClean="0"/>
+              <a:t>Tipos de estímulos utilizados</a:t>
+            </a:r>
+          </a:p>
+          <a:p>
+            <a:pPr algn="ctr"/>
+            <a:r>
+              <a:rPr lang="es-ES" sz="1400" dirty="0" smtClean="0"/>
+              <a:t>8ejemplos para paralelismo9</a:t>
+            </a:r>
+            <a:endParaRPr lang="es-ES" sz="1400" dirty="0"/>
+          </a:p>
+        </p:txBody>
+      </p:sp>
+      <p:sp>
+        <p:nvSpPr>
+          <p:cNvPr id="26" name="25 CuadroTexto"/>
+          <p:cNvSpPr txBox="1"/>
+          <p:nvPr/>
+        </p:nvSpPr>
+        <p:spPr>
+          <a:xfrm>
+            <a:off x="4932040" y="1124744"/>
+            <a:ext cx="3306483" cy="400110"/>
+          </a:xfrm>
+          <a:prstGeom prst="rect">
+            <a:avLst/>
+          </a:prstGeom>
+          <a:noFill/>
+        </p:spPr>
+        <p:txBody>
+          <a:bodyPr wrap="none" rtlCol="0">
+            <a:spAutoFit/>
+          </a:bodyPr>
+          <a:lstStyle/>
+          <a:p>
+            <a:r>
+              <a:rPr lang="es-ES" sz="2000" dirty="0" smtClean="0"/>
+              <a:t>Tipos de resultados obtenidos</a:t>
+            </a:r>
+            <a:endParaRPr lang="es-ES" sz="2000" dirty="0"/>
+          </a:p>
+        </p:txBody>
+      </p:sp>
+      <p:sp>
+        <p:nvSpPr>
+          <p:cNvPr id="27" name="26 CuadroTexto"/>
+          <p:cNvSpPr txBox="1"/>
+          <p:nvPr/>
+        </p:nvSpPr>
+        <p:spPr>
+          <a:xfrm>
+            <a:off x="2339752" y="2329135"/>
+            <a:ext cx="1339790" cy="307777"/>
+          </a:xfrm>
+          <a:prstGeom prst="rect">
+            <a:avLst/>
+          </a:prstGeom>
+          <a:noFill/>
+        </p:spPr>
+        <p:txBody>
+          <a:bodyPr wrap="none" rtlCol="0">
+            <a:spAutoFit/>
+          </a:bodyPr>
+          <a:lstStyle/>
+          <a:p>
+            <a:r>
+              <a:rPr lang="es-ES" sz="1400" dirty="0" err="1" smtClean="0"/>
+              <a:t>Orientacion</a:t>
+            </a:r>
+            <a:r>
+              <a:rPr lang="es-ES" sz="1400" dirty="0" smtClean="0"/>
+              <a:t> 30º</a:t>
+            </a:r>
+            <a:endParaRPr lang="es-ES" sz="1400" dirty="0"/>
+          </a:p>
+        </p:txBody>
+      </p:sp>
+    </p:spTree>
+    <p:extLst>
+      <p:ext uri="{BB962C8B-B14F-4D97-AF65-F5344CB8AC3E}">
+        <p14:creationId xmlns:p14="http://schemas.microsoft.com/office/powerpoint/2010/main" val="2166002153"/>
+      </p:ext>
+    </p:extLst>
+  </p:cSld>
+  <p:clrMapOvr>
+    <a:masterClrMapping/>
+  </p:clrMapOvr>
+  <p:timing>
+    <p:tnLst>
+      <p:par>
+        <p:cTn id="1" dur="indefinite" restart="never" nodeType="tmRoot"/>
+      </p:par>
+    </p:tnLst>
+  </p:timing>
+</p:sld>
+</file>
+
+<file path=ppt/slides/slide14.xml><?xml version="1.0" encoding="utf-8"?>
+<p:sld xmlns:a="http://schemas.openxmlformats.org/drawingml/2006/main" xmlns:r="http://schemas.openxmlformats.org/officeDocument/2006/relationships" xmlns:p="http://schemas.openxmlformats.org/presentationml/2006/main">
+  <p:cSld>
+    <p:spTree>
+      <p:nvGrpSpPr>
+        <p:cNvPr id="1" name=""/>
+        <p:cNvGrpSpPr/>
+        <p:nvPr/>
+      </p:nvGrpSpPr>
+      <p:grpSpPr>
+        <a:xfrm>
+          <a:off x="0" y="0"/>
+          <a:ext cx="0" cy="0"/>
+          <a:chOff x="0" y="0"/>
+          <a:chExt cx="0" cy="0"/>
+        </a:xfrm>
+      </p:grpSpPr>
+      <p:sp>
+        <p:nvSpPr>
+          <p:cNvPr id="3" name="2 CuadroTexto"/>
+          <p:cNvSpPr txBox="1"/>
+          <p:nvPr/>
+        </p:nvSpPr>
+        <p:spPr>
+          <a:xfrm>
+            <a:off x="0" y="-1"/>
+            <a:ext cx="2987825" cy="307777"/>
+          </a:xfrm>
+          <a:prstGeom prst="rect">
+            <a:avLst/>
+          </a:prstGeom>
+          <a:noFill/>
+        </p:spPr>
+        <p:txBody>
+          <a:bodyPr wrap="square" rtlCol="0">
+            <a:spAutoFit/>
+          </a:bodyPr>
+          <a:lstStyle/>
+          <a:p>
+            <a:r>
+              <a:rPr lang="es-ES" sz="1400" dirty="0" smtClean="0">
+                <a:solidFill>
+                  <a:schemeClr val="bg1">
+                    <a:lumMod val="50000"/>
+                  </a:schemeClr>
+                </a:solidFill>
+              </a:rPr>
+              <a:t>resultados</a:t>
+            </a:r>
+            <a:endParaRPr lang="es-ES" sz="1400" dirty="0">
+              <a:solidFill>
+                <a:schemeClr val="bg1">
+                  <a:lumMod val="50000"/>
+                </a:schemeClr>
+              </a:solidFill>
+            </a:endParaRPr>
+          </a:p>
+        </p:txBody>
+      </p:sp>
+      <p:sp>
+        <p:nvSpPr>
+          <p:cNvPr id="6" name="5 CuadroTexto"/>
+          <p:cNvSpPr txBox="1"/>
+          <p:nvPr/>
+        </p:nvSpPr>
+        <p:spPr>
+          <a:xfrm>
+            <a:off x="6156175" y="0"/>
+            <a:ext cx="2987825" cy="307777"/>
+          </a:xfrm>
+          <a:prstGeom prst="rect">
+            <a:avLst/>
+          </a:prstGeom>
+          <a:noFill/>
+        </p:spPr>
+        <p:txBody>
+          <a:bodyPr wrap="square" rtlCol="0">
+            <a:spAutoFit/>
+          </a:bodyPr>
+          <a:lstStyle/>
+          <a:p>
+            <a:pPr algn="r"/>
+            <a:r>
+              <a:rPr lang="es-ES" sz="1400" dirty="0" smtClean="0">
+                <a:solidFill>
+                  <a:schemeClr val="bg1">
+                    <a:lumMod val="50000"/>
+                  </a:schemeClr>
+                </a:solidFill>
+              </a:rPr>
+              <a:t>Defensa de tesis – Diciembre 2016</a:t>
+            </a:r>
+            <a:endParaRPr lang="es-ES" sz="1400" dirty="0">
+              <a:solidFill>
+                <a:schemeClr val="bg1">
+                  <a:lumMod val="50000"/>
+                </a:schemeClr>
+              </a:solidFill>
+            </a:endParaRPr>
+          </a:p>
+        </p:txBody>
+      </p:sp>
+      <p:sp>
+        <p:nvSpPr>
+          <p:cNvPr id="8" name="7 CuadroTexto"/>
+          <p:cNvSpPr txBox="1"/>
+          <p:nvPr/>
+        </p:nvSpPr>
+        <p:spPr>
+          <a:xfrm>
+            <a:off x="-19988" y="548680"/>
+            <a:ext cx="9143999" cy="1015663"/>
+          </a:xfrm>
+          <a:prstGeom prst="rect">
+            <a:avLst/>
+          </a:prstGeom>
+          <a:noFill/>
+        </p:spPr>
+        <p:txBody>
+          <a:bodyPr wrap="square" rtlCol="0">
+            <a:spAutoFit/>
+          </a:bodyPr>
+          <a:lstStyle/>
+          <a:p>
+            <a:pPr algn="ctr"/>
+            <a:r>
+              <a:rPr lang="es-ES" sz="3200" dirty="0" smtClean="0">
+                <a:latin typeface="+mj-lt"/>
+              </a:rPr>
+              <a:t>Primer experimento. </a:t>
+            </a:r>
+          </a:p>
+          <a:p>
+            <a:pPr algn="ctr"/>
+            <a:r>
+              <a:rPr lang="es-ES" sz="2800" dirty="0" smtClean="0">
+                <a:latin typeface="+mj-lt"/>
+              </a:rPr>
+              <a:t>Dependencia del umbral 8paralelimso9 con la </a:t>
+            </a:r>
+            <a:r>
+              <a:rPr lang="es-ES" sz="2800" dirty="0" err="1" smtClean="0">
+                <a:latin typeface="+mj-lt"/>
+              </a:rPr>
+              <a:t>orientacin</a:t>
+            </a:r>
+            <a:endParaRPr lang="es-ES" sz="2800" dirty="0">
+              <a:latin typeface="+mj-lt"/>
+            </a:endParaRPr>
+          </a:p>
+        </p:txBody>
+      </p:sp>
+      <p:pic>
+        <p:nvPicPr>
+          <p:cNvPr id="2" name="1 Imagen"/>
+          <p:cNvPicPr>
+            <a:picLocks noChangeAspect="1"/>
+          </p:cNvPicPr>
+          <p:nvPr/>
+        </p:nvPicPr>
+        <p:blipFill>
+          <a:blip r:embed="rId7">
+            <a:extLst>
+              <a:ext uri="{28A0092B-C50C-407E-A947-70E740481C1C}">
+                <a14:useLocalDpi xmlns:a14="http://schemas.microsoft.com/office/drawing/2010/main" val="0"/>
+              </a:ext>
+            </a:extLst>
+          </a:blip>
+          <a:stretch>
+            <a:fillRect/>
+          </a:stretch>
+        </p:blipFill>
+        <p:spPr>
+          <a:xfrm>
+            <a:off x="0" y="2337447"/>
+            <a:ext cx="9144001" cy="4547937"/>
+          </a:xfrm>
+          <a:prstGeom prst="rect">
+            <a:avLst/>
+          </a:prstGeom>
+        </p:spPr>
+      </p:pic>
+      <p:sp>
+        <p:nvSpPr>
+          <p:cNvPr id="4" name="3 CuadroTexto"/>
+          <p:cNvSpPr txBox="1"/>
+          <p:nvPr/>
+        </p:nvSpPr>
+        <p:spPr>
+          <a:xfrm>
+            <a:off x="611101" y="1774557"/>
+            <a:ext cx="3528851" cy="646331"/>
+          </a:xfrm>
+          <a:prstGeom prst="rect">
+            <a:avLst/>
+          </a:prstGeom>
+          <a:noFill/>
+        </p:spPr>
+        <p:txBody>
+          <a:bodyPr wrap="none" rtlCol="0">
+            <a:spAutoFit/>
+          </a:bodyPr>
+          <a:lstStyle/>
+          <a:p>
+            <a:r>
+              <a:rPr lang="es-ES" dirty="0" smtClean="0"/>
+              <a:t>Resultados para tres mediciones</a:t>
+            </a:r>
+          </a:p>
+          <a:p>
+            <a:r>
+              <a:rPr lang="es-ES" dirty="0" smtClean="0"/>
+              <a:t>8el experimento duraba 4 horas19</a:t>
+            </a:r>
+            <a:endParaRPr lang="es-ES" dirty="0"/>
+          </a:p>
+        </p:txBody>
+      </p:sp>
+      <p:sp>
+        <p:nvSpPr>
+          <p:cNvPr id="24" name="23 CuadroTexto"/>
+          <p:cNvSpPr txBox="1"/>
+          <p:nvPr/>
+        </p:nvSpPr>
+        <p:spPr>
+          <a:xfrm>
+            <a:off x="4788024" y="1913056"/>
+            <a:ext cx="3997633" cy="369332"/>
+          </a:xfrm>
+          <a:prstGeom prst="rect">
+            <a:avLst/>
+          </a:prstGeom>
+          <a:noFill/>
+        </p:spPr>
+        <p:txBody>
+          <a:bodyPr wrap="none" rtlCol="0">
+            <a:spAutoFit/>
+          </a:bodyPr>
+          <a:lstStyle/>
+          <a:p>
+            <a:r>
+              <a:rPr lang="es-ES" dirty="0" err="1" smtClean="0"/>
+              <a:t>Ampliacion</a:t>
+            </a:r>
+            <a:r>
+              <a:rPr lang="es-ES" dirty="0" smtClean="0"/>
+              <a:t> del </a:t>
+            </a:r>
+            <a:r>
+              <a:rPr lang="es-ES" dirty="0" err="1" smtClean="0"/>
+              <a:t>area</a:t>
+            </a:r>
+            <a:r>
+              <a:rPr lang="es-ES" dirty="0" smtClean="0"/>
+              <a:t> central de la imagen</a:t>
+            </a:r>
+            <a:endParaRPr lang="es-ES" dirty="0"/>
+          </a:p>
+        </p:txBody>
+      </p:sp>
+      <p:pic>
+        <p:nvPicPr>
+          <p:cNvPr id="9" name="3223.mp3">
+            <a:hlinkClick r:id="" action="ppaction://media"/>
+          </p:cNvPr>
+          <p:cNvPicPr>
+            <a:picLocks noChangeAspect="1"/>
+          </p:cNvPicPr>
+          <p:nvPr>
+            <a:audioFile r:link="rId2"/>
+            <p:extLst>
+              <p:ext uri="{DAA4B4D4-6D71-4841-9C94-3DE7FCFB9230}">
+                <p14:media xmlns:p14="http://schemas.microsoft.com/office/powerpoint/2010/main" r:embed="rId1"/>
+              </p:ext>
+            </p:extLst>
+          </p:nvPr>
+        </p:nvPicPr>
+        <p:blipFill>
+          <a:blip r:embed="rId8"/>
+          <a:stretch>
+            <a:fillRect/>
+          </a:stretch>
+        </p:blipFill>
+        <p:spPr>
+          <a:xfrm>
+            <a:off x="5851375" y="4611415"/>
+            <a:ext cx="609600" cy="609600"/>
+          </a:xfrm>
+          <a:prstGeom prst="rect">
+            <a:avLst/>
+          </a:prstGeom>
+        </p:spPr>
+      </p:pic>
+      <p:pic>
+        <p:nvPicPr>
+          <p:cNvPr id="11" name="3224.mp3">
+            <a:hlinkClick r:id="" action="ppaction://media"/>
+          </p:cNvPr>
+          <p:cNvPicPr>
+            <a:picLocks noChangeAspect="1"/>
+          </p:cNvPicPr>
+          <p:nvPr>
+            <a:audioFile r:link="rId4"/>
+            <p:extLst>
+              <p:ext uri="{DAA4B4D4-6D71-4841-9C94-3DE7FCFB9230}">
+                <p14:media xmlns:p14="http://schemas.microsoft.com/office/powerpoint/2010/main" r:embed="rId3"/>
+              </p:ext>
+            </p:extLst>
+          </p:nvPr>
+        </p:nvPicPr>
+        <p:blipFill>
+          <a:blip r:embed="rId8"/>
+          <a:stretch>
+            <a:fillRect/>
+          </a:stretch>
+        </p:blipFill>
+        <p:spPr>
+          <a:xfrm>
+            <a:off x="7345287" y="4611415"/>
+            <a:ext cx="609600" cy="609600"/>
+          </a:xfrm>
+          <a:prstGeom prst="rect">
+            <a:avLst/>
+          </a:prstGeom>
+        </p:spPr>
+      </p:pic>
+      <p:pic>
+        <p:nvPicPr>
+          <p:cNvPr id="20" name="3233.mp3">
+            <a:hlinkClick r:id="" action="ppaction://media"/>
+          </p:cNvPr>
+          <p:cNvPicPr>
+            <a:picLocks noChangeAspect="1"/>
+          </p:cNvPicPr>
+          <p:nvPr>
+            <a:audioFile r:link="rId4"/>
+            <p:extLst>
+              <p:ext uri="{DAA4B4D4-6D71-4841-9C94-3DE7FCFB9230}">
+                <p14:media xmlns:p14="http://schemas.microsoft.com/office/powerpoint/2010/main" r:embed="rId3"/>
+              </p:ext>
+            </p:extLst>
+          </p:nvPr>
+        </p:nvPicPr>
+        <p:blipFill>
+          <a:blip r:embed="rId8"/>
+          <a:stretch>
+            <a:fillRect/>
+          </a:stretch>
+        </p:blipFill>
+        <p:spPr>
+          <a:xfrm>
+            <a:off x="5851375" y="3284984"/>
+            <a:ext cx="609600" cy="609600"/>
+          </a:xfrm>
+          <a:prstGeom prst="rect">
+            <a:avLst/>
+          </a:prstGeom>
+        </p:spPr>
+      </p:pic>
+      <p:pic>
+        <p:nvPicPr>
+          <p:cNvPr id="27" name="3234.mp3">
+            <a:hlinkClick r:id="" action="ppaction://media"/>
+          </p:cNvPr>
+          <p:cNvPicPr>
+            <a:picLocks noChangeAspect="1"/>
+          </p:cNvPicPr>
+          <p:nvPr>
+            <a:audioFile r:link="rId2"/>
+            <p:extLst>
+              <p:ext uri="{DAA4B4D4-6D71-4841-9C94-3DE7FCFB9230}">
+                <p14:media xmlns:p14="http://schemas.microsoft.com/office/powerpoint/2010/main" r:embed="rId1"/>
+              </p:ext>
+            </p:extLst>
+          </p:nvPr>
+        </p:nvPicPr>
+        <p:blipFill>
+          <a:blip r:embed="rId8"/>
+          <a:stretch>
+            <a:fillRect/>
+          </a:stretch>
+        </p:blipFill>
+        <p:spPr>
+          <a:xfrm>
+            <a:off x="7345287" y="3284984"/>
+            <a:ext cx="609600" cy="609600"/>
+          </a:xfrm>
+          <a:prstGeom prst="rect">
+            <a:avLst/>
+          </a:prstGeom>
+        </p:spPr>
+      </p:pic>
+    </p:spTree>
+    <p:extLst>
+      <p:ext uri="{BB962C8B-B14F-4D97-AF65-F5344CB8AC3E}">
+        <p14:creationId xmlns:p14="http://schemas.microsoft.com/office/powerpoint/2010/main" val="4150519960"/>
+      </p:ext>
+    </p:extLst>
+  </p:cSld>
+  <p:clrMapOvr>
+    <a:masterClrMapping/>
+  </p:clrMapOvr>
+  <p:timing>
+    <p:tnLst>
+      <p:par>
+        <p:cTn id="1" dur="indefinite" restart="never" nodeType="tmRoot">
+          <p:childTnLst>
+            <p:seq concurrent="1" nextAc="seek">
+              <p:cTn id="2" restart="whenNotActive" fill="hold" evtFilter="cancelBubble" nodeType="interactiveSeq">
+                <p:stCondLst>
+                  <p:cond evt="onClick" delay="0">
+                    <p:tgtEl>
+                      <p:spTgt spid="9"/>
+                    </p:tgtEl>
+                  </p:cond>
+                </p:stCondLst>
+                <p:endSync evt="end" delay="0">
+                  <p:rtn val="all"/>
+                </p:endSync>
+                <p:childTnLst>
+                  <p:par>
+                    <p:cTn id="3" fill="hold">
+                      <p:stCondLst>
+                        <p:cond delay="0"/>
+                      </p:stCondLst>
+                      <p:childTnLst>
+                        <p:par>
+                          <p:cTn id="4" fill="hold">
+                            <p:stCondLst>
+                              <p:cond delay="0"/>
+                            </p:stCondLst>
+                            <p:childTnLst>
+                              <p:par>
+                                <p:cTn id="5" presetID="1" presetClass="mediacall" presetSubtype="0" fill="hold" nodeType="clickEffect">
+                                  <p:stCondLst>
+                                    <p:cond delay="0"/>
+                                  </p:stCondLst>
+                                  <p:childTnLst>
+                                    <p:cmd type="call" cmd="playFrom(0.0)">
+                                      <p:cBhvr>
+                                        <p:cTn id="6" dur="5017" fill="hold"/>
+                                        <p:tgtEl>
+                                          <p:spTgt spid="9"/>
+                                        </p:tgtEl>
+                                      </p:cBhvr>
+                                    </p:cmd>
+                                  </p:childTnLst>
+                                </p:cTn>
+                              </p:par>
+                            </p:childTnLst>
+                          </p:cTn>
+                        </p:par>
+                      </p:childTnLst>
+                    </p:cTn>
+                  </p:par>
+                </p:childTnLst>
+              </p:cTn>
+              <p:nextCondLst>
+                <p:cond evt="onClick" delay="0">
+                  <p:tgtEl>
+                    <p:spTgt spid="9"/>
+                  </p:tgtEl>
+                </p:cond>
+              </p:nextCondLst>
+            </p:seq>
+            <p:audio>
+              <p:cMediaNode vol="80000">
+                <p:cTn id="7" fill="hold" display="0">
+                  <p:stCondLst>
+                    <p:cond delay="indefinite"/>
+                  </p:stCondLst>
+                  <p:endCondLst>
+                    <p:cond evt="onStopAudio" delay="0">
+                      <p:tgtEl>
+                        <p:sldTgt/>
+                      </p:tgtEl>
+                    </p:cond>
+                  </p:endCondLst>
+                </p:cTn>
+                <p:tgtEl>
+                  <p:spTgt spid="9"/>
+                </p:tgtEl>
+              </p:cMediaNode>
+            </p:audio>
+            <p:seq concurrent="1" nextAc="seek">
+              <p:cTn id="8" restart="whenNotActive" fill="hold" evtFilter="cancelBubble" nodeType="interactiveSeq">
+                <p:stCondLst>
+                  <p:cond evt="onClick" delay="0">
+                    <p:tgtEl>
+                      <p:spTgt spid="11"/>
+                    </p:tgtEl>
+                  </p:cond>
+                </p:stCondLst>
+                <p:endSync evt="end" delay="0">
+                  <p:rtn val="all"/>
+                </p:endSync>
+                <p:childTnLst>
+                  <p:par>
+                    <p:cTn id="9" fill="hold">
+                      <p:stCondLst>
+                        <p:cond delay="0"/>
+                      </p:stCondLst>
+                      <p:childTnLst>
+                        <p:par>
+                          <p:cTn id="10" fill="hold">
+                            <p:stCondLst>
+                              <p:cond delay="0"/>
+                            </p:stCondLst>
+                            <p:childTnLst>
+                              <p:par>
+                                <p:cTn id="11" presetID="1" presetClass="mediacall" presetSubtype="0" fill="hold" nodeType="clickEffect">
+                                  <p:stCondLst>
+                                    <p:cond delay="0"/>
+                                  </p:stCondLst>
+                                  <p:childTnLst>
+                                    <p:cmd type="call" cmd="playFrom(0.0)">
+                                      <p:cBhvr>
+                                        <p:cTn id="12" dur="5017" fill="hold"/>
+                                        <p:tgtEl>
+                                          <p:spTgt spid="11"/>
+                                        </p:tgtEl>
+                                      </p:cBhvr>
+                                    </p:cmd>
+                                  </p:childTnLst>
+                                </p:cTn>
+                              </p:par>
+                            </p:childTnLst>
+                          </p:cTn>
+                        </p:par>
+                      </p:childTnLst>
+                    </p:cTn>
+                  </p:par>
+                </p:childTnLst>
+              </p:cTn>
+              <p:nextCondLst>
+                <p:cond evt="onClick" delay="0">
+                  <p:tgtEl>
+                    <p:spTgt spid="11"/>
+                  </p:tgtEl>
+                </p:cond>
+              </p:nextCondLst>
+            </p:seq>
+            <p:audio>
+              <p:cMediaNode vol="80000">
+                <p:cTn id="13" fill="hold" display="0">
+                  <p:stCondLst>
+                    <p:cond delay="indefinite"/>
+                  </p:stCondLst>
+                  <p:endCondLst>
+                    <p:cond evt="onStopAudio" delay="0">
+                      <p:tgtEl>
+                        <p:sldTgt/>
+                      </p:tgtEl>
+                    </p:cond>
+                  </p:endCondLst>
+                </p:cTn>
+                <p:tgtEl>
+                  <p:spTgt spid="11"/>
+                </p:tgtEl>
+              </p:cMediaNode>
+            </p:audio>
+            <p:seq concurrent="1" nextAc="seek">
+              <p:cTn id="14" restart="whenNotActive" fill="hold" evtFilter="cancelBubble" nodeType="interactiveSeq">
+                <p:stCondLst>
+                  <p:cond evt="onClick" delay="0">
+                    <p:tgtEl>
+                      <p:spTgt spid="20"/>
+                    </p:tgtEl>
+                  </p:cond>
+                </p:stCondLst>
+                <p:endSync evt="end" delay="0">
+                  <p:rtn val="all"/>
+                </p:endSync>
+                <p:childTnLst>
+                  <p:par>
+                    <p:cTn id="15" fill="hold">
+                      <p:stCondLst>
+                        <p:cond delay="0"/>
+                      </p:stCondLst>
+                      <p:childTnLst>
+                        <p:par>
+                          <p:cTn id="16" fill="hold">
+                            <p:stCondLst>
+                              <p:cond delay="0"/>
+                            </p:stCondLst>
+                            <p:childTnLst>
+                              <p:par>
+                                <p:cTn id="17" presetID="1" presetClass="mediacall" presetSubtype="0" fill="hold" nodeType="clickEffect">
+                                  <p:stCondLst>
+                                    <p:cond delay="0"/>
+                                  </p:stCondLst>
+                                  <p:childTnLst>
+                                    <p:cmd type="call" cmd="playFrom(0.0)">
+                                      <p:cBhvr>
+                                        <p:cTn id="18" dur="5017" fill="hold"/>
+                                        <p:tgtEl>
+                                          <p:spTgt spid="20"/>
+                                        </p:tgtEl>
+                                      </p:cBhvr>
+                                    </p:cmd>
+                                  </p:childTnLst>
+                                </p:cTn>
+                              </p:par>
+                            </p:childTnLst>
+                          </p:cTn>
+                        </p:par>
+                      </p:childTnLst>
+                    </p:cTn>
+                  </p:par>
+                </p:childTnLst>
+              </p:cTn>
+              <p:nextCondLst>
+                <p:cond evt="onClick" delay="0">
+                  <p:tgtEl>
+                    <p:spTgt spid="20"/>
+                  </p:tgtEl>
+                </p:cond>
+              </p:nextCondLst>
+            </p:seq>
+            <p:audio>
+              <p:cMediaNode vol="80000">
+                <p:cTn id="19" fill="hold" display="0">
+                  <p:stCondLst>
+                    <p:cond delay="indefinite"/>
+                  </p:stCondLst>
+                  <p:endCondLst>
+                    <p:cond evt="onStopAudio" delay="0">
+                      <p:tgtEl>
+                        <p:sldTgt/>
+                      </p:tgtEl>
+                    </p:cond>
+                  </p:endCondLst>
+                </p:cTn>
+                <p:tgtEl>
+                  <p:spTgt spid="20"/>
+                </p:tgtEl>
+              </p:cMediaNode>
+            </p:audio>
+            <p:seq concurrent="1" nextAc="seek">
+              <p:cTn id="20" restart="whenNotActive" fill="hold" evtFilter="cancelBubble" nodeType="interactiveSeq">
+                <p:stCondLst>
+                  <p:cond evt="onClick" delay="0">
+                    <p:tgtEl>
+                      <p:spTgt spid="27"/>
+                    </p:tgtEl>
+                  </p:cond>
+                </p:stCondLst>
+                <p:endSync evt="end" delay="0">
+                  <p:rtn val="all"/>
+                </p:endSync>
+                <p:childTnLst>
+                  <p:par>
+                    <p:cTn id="21" fill="hold">
+                      <p:stCondLst>
+                        <p:cond delay="0"/>
+                      </p:stCondLst>
+                      <p:childTnLst>
+                        <p:par>
+                          <p:cTn id="22" fill="hold">
+                            <p:stCondLst>
+                              <p:cond delay="0"/>
+                            </p:stCondLst>
+                            <p:childTnLst>
+                              <p:par>
+                                <p:cTn id="23" presetID="1" presetClass="mediacall" presetSubtype="0" fill="hold" nodeType="clickEffect">
+                                  <p:stCondLst>
+                                    <p:cond delay="0"/>
+                                  </p:stCondLst>
+                                  <p:childTnLst>
+                                    <p:cmd type="call" cmd="playFrom(0.0)">
+                                      <p:cBhvr>
+                                        <p:cTn id="24" dur="5017" fill="hold"/>
+                                        <p:tgtEl>
+                                          <p:spTgt spid="27"/>
+                                        </p:tgtEl>
+                                      </p:cBhvr>
+                                    </p:cmd>
+                                  </p:childTnLst>
+                                </p:cTn>
+                              </p:par>
+                            </p:childTnLst>
+                          </p:cTn>
+                        </p:par>
+                      </p:childTnLst>
+                    </p:cTn>
+                  </p:par>
+                </p:childTnLst>
+              </p:cTn>
+              <p:nextCondLst>
+                <p:cond evt="onClick" delay="0">
+                  <p:tgtEl>
+                    <p:spTgt spid="27"/>
+                  </p:tgtEl>
+                </p:cond>
+              </p:nextCondLst>
+            </p:seq>
+            <p:audio>
+              <p:cMediaNode vol="80000">
+                <p:cTn id="25" fill="hold" display="0">
+                  <p:stCondLst>
+                    <p:cond delay="indefinite"/>
+                  </p:stCondLst>
+                  <p:endCondLst>
+                    <p:cond evt="onStopAudio" delay="0">
+                      <p:tgtEl>
+                        <p:sldTgt/>
+                      </p:tgtEl>
+                    </p:cond>
+                  </p:endCondLst>
+                </p:cTn>
+                <p:tgtEl>
+                  <p:spTgt spid="27"/>
+                </p:tgtEl>
+              </p:cMediaNode>
+            </p:audio>
+          </p:childTnLst>
+        </p:cTn>
+      </p:par>
+    </p:tnLst>
+  </p:timing>
+</p:sld>
+</file>
+
+<file path=ppt/slides/slide15.xml><?xml version="1.0" encoding="utf-8"?>
+<p:sld xmlns:a="http://schemas.openxmlformats.org/drawingml/2006/main" xmlns:r="http://schemas.openxmlformats.org/officeDocument/2006/relationships" xmlns:p="http://schemas.openxmlformats.org/presentationml/2006/main">
+  <p:cSld>
+    <p:spTree>
+      <p:nvGrpSpPr>
+        <p:cNvPr id="1" name=""/>
+        <p:cNvGrpSpPr/>
+        <p:nvPr/>
+      </p:nvGrpSpPr>
+      <p:grpSpPr>
+        <a:xfrm>
+          <a:off x="0" y="0"/>
+          <a:ext cx="0" cy="0"/>
+          <a:chOff x="0" y="0"/>
+          <a:chExt cx="0" cy="0"/>
+        </a:xfrm>
+      </p:grpSpPr>
+      <p:sp>
+        <p:nvSpPr>
+          <p:cNvPr id="3" name="2 CuadroTexto"/>
+          <p:cNvSpPr txBox="1"/>
+          <p:nvPr/>
+        </p:nvSpPr>
+        <p:spPr>
+          <a:xfrm>
+            <a:off x="0" y="-1"/>
+            <a:ext cx="2987825" cy="307777"/>
+          </a:xfrm>
+          <a:prstGeom prst="rect">
+            <a:avLst/>
+          </a:prstGeom>
+          <a:noFill/>
+        </p:spPr>
+        <p:txBody>
+          <a:bodyPr wrap="square" rtlCol="0">
+            <a:spAutoFit/>
+          </a:bodyPr>
+          <a:lstStyle/>
+          <a:p>
+            <a:r>
+              <a:rPr lang="es-ES" sz="1400" dirty="0" smtClean="0">
+                <a:solidFill>
+                  <a:schemeClr val="bg1">
+                    <a:lumMod val="50000"/>
+                  </a:schemeClr>
+                </a:solidFill>
+              </a:rPr>
+              <a:t>resultados</a:t>
+            </a:r>
+            <a:endParaRPr lang="es-ES" sz="1400" dirty="0">
+              <a:solidFill>
+                <a:schemeClr val="bg1">
+                  <a:lumMod val="50000"/>
+                </a:schemeClr>
+              </a:solidFill>
+            </a:endParaRPr>
+          </a:p>
+        </p:txBody>
+      </p:sp>
+      <p:sp>
+        <p:nvSpPr>
+          <p:cNvPr id="6" name="5 CuadroTexto"/>
+          <p:cNvSpPr txBox="1"/>
+          <p:nvPr/>
+        </p:nvSpPr>
+        <p:spPr>
+          <a:xfrm>
+            <a:off x="6156175" y="0"/>
+            <a:ext cx="2987825" cy="307777"/>
+          </a:xfrm>
+          <a:prstGeom prst="rect">
+            <a:avLst/>
+          </a:prstGeom>
+          <a:noFill/>
+        </p:spPr>
+        <p:txBody>
+          <a:bodyPr wrap="square" rtlCol="0">
+            <a:spAutoFit/>
+          </a:bodyPr>
+          <a:lstStyle/>
+          <a:p>
+            <a:pPr algn="r"/>
+            <a:r>
+              <a:rPr lang="es-ES" sz="1400" dirty="0" smtClean="0">
+                <a:solidFill>
+                  <a:schemeClr val="bg1">
+                    <a:lumMod val="50000"/>
+                  </a:schemeClr>
+                </a:solidFill>
+              </a:rPr>
+              <a:t>Defensa de tesis – Diciembre 2016</a:t>
+            </a:r>
+            <a:endParaRPr lang="es-ES" sz="1400" dirty="0">
+              <a:solidFill>
+                <a:schemeClr val="bg1">
+                  <a:lumMod val="50000"/>
+                </a:schemeClr>
+              </a:solidFill>
+            </a:endParaRPr>
+          </a:p>
+        </p:txBody>
+      </p:sp>
+      <p:sp>
+        <p:nvSpPr>
+          <p:cNvPr id="8" name="7 CuadroTexto"/>
+          <p:cNvSpPr txBox="1"/>
+          <p:nvPr/>
+        </p:nvSpPr>
+        <p:spPr>
+          <a:xfrm>
+            <a:off x="-19988" y="548680"/>
+            <a:ext cx="9143999" cy="584775"/>
+          </a:xfrm>
+          <a:prstGeom prst="rect">
+            <a:avLst/>
+          </a:prstGeom>
+          <a:noFill/>
+        </p:spPr>
+        <p:txBody>
+          <a:bodyPr wrap="square" rtlCol="0">
+            <a:spAutoFit/>
+          </a:bodyPr>
+          <a:lstStyle/>
+          <a:p>
+            <a:pPr algn="ctr"/>
+            <a:r>
+              <a:rPr lang="es-ES" sz="3200" dirty="0" smtClean="0">
+                <a:latin typeface="+mj-lt"/>
+              </a:rPr>
+              <a:t>Segundo experimento…</a:t>
+            </a:r>
+          </a:p>
+        </p:txBody>
+      </p:sp>
+      <p:pic>
+        <p:nvPicPr>
+          <p:cNvPr id="5" name="4 Imagen"/>
+          <p:cNvPicPr>
+            <a:picLocks noChangeAspect="1"/>
+          </p:cNvPicPr>
+          <p:nvPr/>
+        </p:nvPicPr>
+        <p:blipFill>
+          <a:blip r:embed="rId3">
+            <a:extLst>
+              <a:ext uri="{28A0092B-C50C-407E-A947-70E740481C1C}">
+                <a14:useLocalDpi xmlns:a14="http://schemas.microsoft.com/office/drawing/2010/main" val="0"/>
+              </a:ext>
+            </a:extLst>
+          </a:blip>
+          <a:stretch>
+            <a:fillRect/>
+          </a:stretch>
+        </p:blipFill>
+        <p:spPr>
+          <a:xfrm>
+            <a:off x="867055" y="3155953"/>
+            <a:ext cx="885825" cy="866775"/>
+          </a:xfrm>
+          <a:prstGeom prst="rect">
+            <a:avLst/>
+          </a:prstGeom>
+        </p:spPr>
+      </p:pic>
+      <p:pic>
+        <p:nvPicPr>
+          <p:cNvPr id="7" name="6 Imagen"/>
+          <p:cNvPicPr>
+            <a:picLocks noChangeAspect="1"/>
+          </p:cNvPicPr>
+          <p:nvPr/>
+        </p:nvPicPr>
+        <p:blipFill>
+          <a:blip r:embed="rId4">
+            <a:extLst>
+              <a:ext uri="{28A0092B-C50C-407E-A947-70E740481C1C}">
+                <a14:useLocalDpi xmlns:a14="http://schemas.microsoft.com/office/drawing/2010/main" val="0"/>
+              </a:ext>
+            </a:extLst>
+          </a:blip>
+          <a:stretch>
+            <a:fillRect/>
+          </a:stretch>
+        </p:blipFill>
+        <p:spPr>
+          <a:xfrm>
+            <a:off x="372406" y="4148000"/>
+            <a:ext cx="895350" cy="885825"/>
+          </a:xfrm>
+          <a:prstGeom prst="rect">
+            <a:avLst/>
+          </a:prstGeom>
+        </p:spPr>
+      </p:pic>
+      <p:pic>
+        <p:nvPicPr>
+          <p:cNvPr id="10" name="9 Imagen"/>
+          <p:cNvPicPr>
+            <a:picLocks noChangeAspect="1"/>
+          </p:cNvPicPr>
+          <p:nvPr/>
+        </p:nvPicPr>
+        <p:blipFill>
+          <a:blip r:embed="rId5">
+            <a:extLst>
+              <a:ext uri="{28A0092B-C50C-407E-A947-70E740481C1C}">
+                <a14:useLocalDpi xmlns:a14="http://schemas.microsoft.com/office/drawing/2010/main" val="0"/>
+              </a:ext>
+            </a:extLst>
+          </a:blip>
+          <a:stretch>
+            <a:fillRect/>
+          </a:stretch>
+        </p:blipFill>
+        <p:spPr>
+          <a:xfrm>
+            <a:off x="1590487" y="4147999"/>
+            <a:ext cx="904875" cy="885825"/>
+          </a:xfrm>
+          <a:prstGeom prst="rect">
+            <a:avLst/>
+          </a:prstGeom>
+        </p:spPr>
+      </p:pic>
+      <p:pic>
+        <p:nvPicPr>
+          <p:cNvPr id="12" name="11 Imagen"/>
+          <p:cNvPicPr>
+            <a:picLocks noChangeAspect="1"/>
+          </p:cNvPicPr>
+          <p:nvPr/>
+        </p:nvPicPr>
+        <p:blipFill>
+          <a:blip r:embed="rId6">
+            <a:extLst>
+              <a:ext uri="{28A0092B-C50C-407E-A947-70E740481C1C}">
+                <a14:useLocalDpi xmlns:a14="http://schemas.microsoft.com/office/drawing/2010/main" val="0"/>
+              </a:ext>
+            </a:extLst>
+          </a:blip>
+          <a:stretch>
+            <a:fillRect/>
+          </a:stretch>
+        </p:blipFill>
+        <p:spPr>
+          <a:xfrm>
+            <a:off x="1549587" y="4916929"/>
+            <a:ext cx="923925" cy="904875"/>
+          </a:xfrm>
+          <a:prstGeom prst="rect">
+            <a:avLst/>
+          </a:prstGeom>
+        </p:spPr>
+      </p:pic>
+      <p:pic>
+        <p:nvPicPr>
+          <p:cNvPr id="13" name="12 Imagen"/>
+          <p:cNvPicPr>
+            <a:picLocks noChangeAspect="1"/>
+          </p:cNvPicPr>
+          <p:nvPr/>
+        </p:nvPicPr>
+        <p:blipFill>
+          <a:blip r:embed="rId7">
+            <a:extLst>
+              <a:ext uri="{28A0092B-C50C-407E-A947-70E740481C1C}">
+                <a14:useLocalDpi xmlns:a14="http://schemas.microsoft.com/office/drawing/2010/main" val="0"/>
+              </a:ext>
+            </a:extLst>
+          </a:blip>
+          <a:stretch>
+            <a:fillRect/>
+          </a:stretch>
+        </p:blipFill>
+        <p:spPr>
+          <a:xfrm>
+            <a:off x="372406" y="4926454"/>
+            <a:ext cx="923925" cy="895350"/>
+          </a:xfrm>
+          <a:prstGeom prst="rect">
+            <a:avLst/>
+          </a:prstGeom>
+        </p:spPr>
+      </p:pic>
+      <p:pic>
+        <p:nvPicPr>
+          <p:cNvPr id="14" name="13 Imagen"/>
+          <p:cNvPicPr>
+            <a:picLocks noChangeAspect="1"/>
+          </p:cNvPicPr>
+          <p:nvPr/>
+        </p:nvPicPr>
+        <p:blipFill>
+          <a:blip r:embed="rId8">
+            <a:extLst>
+              <a:ext uri="{28A0092B-C50C-407E-A947-70E740481C1C}">
+                <a14:useLocalDpi xmlns:a14="http://schemas.microsoft.com/office/drawing/2010/main" val="0"/>
+              </a:ext>
+            </a:extLst>
+          </a:blip>
+          <a:stretch>
+            <a:fillRect/>
+          </a:stretch>
+        </p:blipFill>
+        <p:spPr>
+          <a:xfrm>
+            <a:off x="1571437" y="5800678"/>
+            <a:ext cx="904875" cy="885825"/>
+          </a:xfrm>
+          <a:prstGeom prst="rect">
+            <a:avLst/>
+          </a:prstGeom>
+        </p:spPr>
+      </p:pic>
+      <p:pic>
+        <p:nvPicPr>
+          <p:cNvPr id="15" name="14 Imagen"/>
+          <p:cNvPicPr>
+            <a:picLocks noChangeAspect="1"/>
+          </p:cNvPicPr>
+          <p:nvPr/>
+        </p:nvPicPr>
+        <p:blipFill>
+          <a:blip r:embed="rId9">
+            <a:extLst>
+              <a:ext uri="{28A0092B-C50C-407E-A947-70E740481C1C}">
+                <a14:useLocalDpi xmlns:a14="http://schemas.microsoft.com/office/drawing/2010/main" val="0"/>
+              </a:ext>
+            </a:extLst>
+          </a:blip>
+          <a:stretch>
+            <a:fillRect/>
+          </a:stretch>
+        </p:blipFill>
+        <p:spPr>
+          <a:xfrm>
+            <a:off x="349117" y="5820761"/>
+            <a:ext cx="933450" cy="923925"/>
+          </a:xfrm>
+          <a:prstGeom prst="rect">
+            <a:avLst/>
+          </a:prstGeom>
+        </p:spPr>
+      </p:pic>
+      <p:sp>
+        <p:nvSpPr>
+          <p:cNvPr id="29" name="28 CuadroTexto"/>
+          <p:cNvSpPr txBox="1"/>
+          <p:nvPr/>
+        </p:nvSpPr>
+        <p:spPr>
+          <a:xfrm>
+            <a:off x="606773" y="2903272"/>
+            <a:ext cx="1351588" cy="307777"/>
+          </a:xfrm>
+          <a:prstGeom prst="rect">
+            <a:avLst/>
+          </a:prstGeom>
+          <a:noFill/>
+        </p:spPr>
+        <p:txBody>
+          <a:bodyPr wrap="none" rtlCol="0">
+            <a:spAutoFit/>
+          </a:bodyPr>
+          <a:lstStyle/>
+          <a:p>
+            <a:r>
+              <a:rPr lang="es-ES" sz="1400" dirty="0" smtClean="0"/>
+              <a:t>Estimulo neutro</a:t>
+            </a:r>
+            <a:endParaRPr lang="es-ES" sz="1400" dirty="0"/>
+          </a:p>
+        </p:txBody>
+      </p:sp>
+      <p:sp>
+        <p:nvSpPr>
+          <p:cNvPr id="30" name="29 CuadroTexto"/>
+          <p:cNvSpPr txBox="1"/>
+          <p:nvPr/>
+        </p:nvSpPr>
+        <p:spPr>
+          <a:xfrm>
+            <a:off x="489187" y="3719123"/>
+            <a:ext cx="1614288" cy="307777"/>
+          </a:xfrm>
+          <a:prstGeom prst="rect">
+            <a:avLst/>
+          </a:prstGeom>
+          <a:noFill/>
+        </p:spPr>
+        <p:txBody>
+          <a:bodyPr wrap="none" rtlCol="0">
+            <a:spAutoFit/>
+          </a:bodyPr>
+          <a:lstStyle/>
+          <a:p>
+            <a:r>
+              <a:rPr lang="es-ES" sz="1400" dirty="0" err="1" smtClean="0"/>
+              <a:t>Estimulos</a:t>
+            </a:r>
+            <a:r>
+              <a:rPr lang="es-ES" sz="1400" dirty="0" smtClean="0"/>
+              <a:t> con señal</a:t>
+            </a:r>
+            <a:endParaRPr lang="es-ES" sz="1400" dirty="0"/>
+          </a:p>
+        </p:txBody>
+      </p:sp>
+      <p:cxnSp>
+        <p:nvCxnSpPr>
+          <p:cNvPr id="31" name="30 Conector recto de flecha"/>
+          <p:cNvCxnSpPr/>
+          <p:nvPr/>
+        </p:nvCxnSpPr>
+        <p:spPr>
+          <a:xfrm>
+            <a:off x="1308510" y="4153438"/>
+            <a:ext cx="18343" cy="2299898"/>
+          </a:xfrm>
+          <a:prstGeom prst="straightConnector1">
+            <a:avLst/>
+          </a:prstGeom>
+          <a:ln w="57150">
+            <a:tailEnd type="arrow"/>
+          </a:ln>
+        </p:spPr>
+        <p:style>
+          <a:lnRef idx="1">
+            <a:schemeClr val="accent1"/>
+          </a:lnRef>
+          <a:fillRef idx="0">
+            <a:schemeClr val="accent1"/>
+          </a:fillRef>
+          <a:effectRef idx="0">
+            <a:schemeClr val="accent1"/>
+          </a:effectRef>
+          <a:fontRef idx="minor">
+            <a:schemeClr val="tx1"/>
+          </a:fontRef>
+        </p:style>
+      </p:cxnSp>
+      <p:sp>
+        <p:nvSpPr>
+          <p:cNvPr id="32" name="31 CuadroTexto"/>
+          <p:cNvSpPr txBox="1"/>
+          <p:nvPr/>
+        </p:nvSpPr>
+        <p:spPr>
+          <a:xfrm>
+            <a:off x="926743" y="4653136"/>
+            <a:ext cx="400110" cy="989373"/>
+          </a:xfrm>
+          <a:prstGeom prst="rect">
+            <a:avLst/>
+          </a:prstGeom>
+          <a:noFill/>
+        </p:spPr>
+        <p:txBody>
+          <a:bodyPr vert="vert270" wrap="none" rtlCol="0">
+            <a:spAutoFit/>
+          </a:bodyPr>
+          <a:lstStyle/>
+          <a:p>
+            <a:r>
+              <a:rPr lang="es-ES" sz="1400" dirty="0" smtClean="0"/>
+              <a:t>Mayor señal</a:t>
+            </a:r>
+            <a:endParaRPr lang="es-ES" sz="1400" dirty="0"/>
+          </a:p>
+        </p:txBody>
+      </p:sp>
+      <p:sp>
+        <p:nvSpPr>
+          <p:cNvPr id="33" name="32 CuadroTexto"/>
+          <p:cNvSpPr txBox="1"/>
+          <p:nvPr/>
+        </p:nvSpPr>
+        <p:spPr>
+          <a:xfrm>
+            <a:off x="1286783" y="4509120"/>
+            <a:ext cx="400110" cy="1311641"/>
+          </a:xfrm>
+          <a:prstGeom prst="rect">
+            <a:avLst/>
+          </a:prstGeom>
+          <a:noFill/>
+        </p:spPr>
+        <p:txBody>
+          <a:bodyPr vert="vert270" wrap="none" rtlCol="0">
+            <a:spAutoFit/>
+          </a:bodyPr>
+          <a:lstStyle/>
+          <a:p>
+            <a:r>
+              <a:rPr lang="es-ES" sz="1400" dirty="0" smtClean="0"/>
+              <a:t>Menor dificultad</a:t>
+            </a:r>
+            <a:endParaRPr lang="es-ES" sz="1400" dirty="0"/>
+          </a:p>
+        </p:txBody>
+      </p:sp>
+      <p:sp>
+        <p:nvSpPr>
+          <p:cNvPr id="34" name="33 CuadroTexto"/>
+          <p:cNvSpPr txBox="1"/>
+          <p:nvPr/>
+        </p:nvSpPr>
+        <p:spPr>
+          <a:xfrm>
+            <a:off x="0" y="2204864"/>
+            <a:ext cx="2653088" cy="553998"/>
+          </a:xfrm>
+          <a:prstGeom prst="rect">
+            <a:avLst/>
+          </a:prstGeom>
+          <a:noFill/>
+        </p:spPr>
+        <p:txBody>
+          <a:bodyPr wrap="square" rtlCol="0">
+            <a:spAutoFit/>
+          </a:bodyPr>
+          <a:lstStyle/>
+          <a:p>
+            <a:pPr algn="ctr"/>
+            <a:r>
+              <a:rPr lang="es-ES" sz="1600" dirty="0" smtClean="0"/>
+              <a:t>Tipos de estímulos utilizados</a:t>
+            </a:r>
+          </a:p>
+          <a:p>
+            <a:pPr algn="ctr"/>
+            <a:r>
+              <a:rPr lang="es-ES" sz="1400" dirty="0" smtClean="0"/>
+              <a:t>8ejemplos para angulos9</a:t>
+            </a:r>
+            <a:endParaRPr lang="es-ES" sz="1400" dirty="0"/>
+          </a:p>
+        </p:txBody>
+      </p:sp>
+      <p:sp>
+        <p:nvSpPr>
+          <p:cNvPr id="35" name="34 CuadroTexto"/>
+          <p:cNvSpPr txBox="1"/>
+          <p:nvPr/>
+        </p:nvSpPr>
+        <p:spPr>
+          <a:xfrm>
+            <a:off x="1452526" y="3226622"/>
+            <a:ext cx="1175258" cy="276999"/>
+          </a:xfrm>
+          <a:prstGeom prst="rect">
+            <a:avLst/>
+          </a:prstGeom>
+          <a:noFill/>
+        </p:spPr>
+        <p:txBody>
+          <a:bodyPr wrap="none" rtlCol="0">
+            <a:spAutoFit/>
+          </a:bodyPr>
+          <a:lstStyle/>
+          <a:p>
+            <a:r>
+              <a:rPr lang="es-ES" sz="1200" dirty="0" err="1" smtClean="0"/>
+              <a:t>Orientacion</a:t>
+            </a:r>
+            <a:r>
+              <a:rPr lang="es-ES" sz="1200" dirty="0" smtClean="0"/>
+              <a:t> 90º</a:t>
+            </a:r>
+            <a:endParaRPr lang="es-ES" sz="1200" dirty="0"/>
+          </a:p>
+        </p:txBody>
+      </p:sp>
+      <p:pic>
+        <p:nvPicPr>
+          <p:cNvPr id="16" name="15 Imagen"/>
+          <p:cNvPicPr>
+            <a:picLocks noChangeAspect="1"/>
+          </p:cNvPicPr>
+          <p:nvPr/>
+        </p:nvPicPr>
+        <p:blipFill>
+          <a:blip r:embed="rId10">
+            <a:extLst>
+              <a:ext uri="{28A0092B-C50C-407E-A947-70E740481C1C}">
+                <a14:useLocalDpi xmlns:a14="http://schemas.microsoft.com/office/drawing/2010/main" val="0"/>
+              </a:ext>
+            </a:extLst>
+          </a:blip>
+          <a:stretch>
+            <a:fillRect/>
+          </a:stretch>
+        </p:blipFill>
+        <p:spPr>
+          <a:xfrm>
+            <a:off x="2750096" y="3901503"/>
+            <a:ext cx="6286400" cy="2935728"/>
+          </a:xfrm>
+          <a:prstGeom prst="rect">
+            <a:avLst/>
+          </a:prstGeom>
+        </p:spPr>
+      </p:pic>
+      <p:sp>
+        <p:nvSpPr>
+          <p:cNvPr id="17" name="16 CuadroTexto"/>
+          <p:cNvSpPr txBox="1"/>
+          <p:nvPr/>
+        </p:nvSpPr>
+        <p:spPr>
+          <a:xfrm>
+            <a:off x="3406897" y="1429371"/>
+            <a:ext cx="5616624" cy="1323439"/>
+          </a:xfrm>
+          <a:prstGeom prst="rect">
+            <a:avLst/>
+          </a:prstGeom>
+          <a:noFill/>
+        </p:spPr>
+        <p:txBody>
+          <a:bodyPr wrap="square" rtlCol="0">
+            <a:spAutoFit/>
+          </a:bodyPr>
+          <a:lstStyle/>
+          <a:p>
+            <a:pPr marL="285750" indent="-285750">
+              <a:buFontTx/>
+              <a:buChar char="-"/>
+            </a:pPr>
+            <a:r>
+              <a:rPr lang="es-ES" sz="2000" dirty="0" smtClean="0"/>
+              <a:t>Se agrego la </a:t>
+            </a:r>
+            <a:r>
+              <a:rPr lang="es-ES" sz="2000" dirty="0" err="1" smtClean="0"/>
+              <a:t>medicion</a:t>
+            </a:r>
+            <a:r>
+              <a:rPr lang="es-ES" sz="2000" dirty="0" smtClean="0"/>
+              <a:t> de la </a:t>
+            </a:r>
+            <a:r>
+              <a:rPr lang="es-ES" sz="2000" dirty="0" err="1" smtClean="0"/>
+              <a:t>categoria</a:t>
+            </a:r>
+            <a:r>
+              <a:rPr lang="es-ES" sz="2000" dirty="0" smtClean="0"/>
+              <a:t> </a:t>
+            </a:r>
+            <a:r>
+              <a:rPr lang="es-ES" sz="2000" dirty="0" err="1" smtClean="0"/>
+              <a:t>angulos</a:t>
+            </a:r>
+            <a:endParaRPr lang="es-ES" sz="2000" dirty="0" smtClean="0"/>
+          </a:p>
+          <a:p>
+            <a:pPr marL="285750" indent="-285750">
+              <a:buFontTx/>
+              <a:buChar char="-"/>
+            </a:pPr>
+            <a:r>
+              <a:rPr lang="es-ES" sz="2000" dirty="0" smtClean="0"/>
+              <a:t>Se </a:t>
+            </a:r>
+            <a:r>
+              <a:rPr lang="es-ES" sz="2000" dirty="0" err="1" smtClean="0"/>
+              <a:t>seleccióno</a:t>
+            </a:r>
+            <a:r>
+              <a:rPr lang="es-ES" sz="2000" dirty="0" smtClean="0"/>
+              <a:t> unas pocas orientaciones</a:t>
+            </a:r>
+          </a:p>
+          <a:p>
+            <a:pPr marL="285750" indent="-285750">
+              <a:buFontTx/>
+              <a:buChar char="-"/>
+            </a:pPr>
+            <a:r>
+              <a:rPr lang="es-ES" sz="2000" dirty="0" smtClean="0"/>
+              <a:t>Se hizo el experimento con 12 sujetos en </a:t>
+            </a:r>
+            <a:r>
+              <a:rPr lang="es-ES" sz="2000" dirty="0" err="1" smtClean="0"/>
+              <a:t>condicion</a:t>
+            </a:r>
+            <a:r>
+              <a:rPr lang="es-ES" sz="2000" dirty="0" smtClean="0"/>
+              <a:t> de laboratorio</a:t>
+            </a:r>
+          </a:p>
+        </p:txBody>
+      </p:sp>
+      <p:sp>
+        <p:nvSpPr>
+          <p:cNvPr id="36" name="35 CuadroTexto"/>
+          <p:cNvSpPr txBox="1"/>
+          <p:nvPr/>
+        </p:nvSpPr>
+        <p:spPr>
+          <a:xfrm>
+            <a:off x="3023828" y="3487294"/>
+            <a:ext cx="5940660" cy="400110"/>
+          </a:xfrm>
+          <a:prstGeom prst="rect">
+            <a:avLst/>
+          </a:prstGeom>
+          <a:noFill/>
+        </p:spPr>
+        <p:txBody>
+          <a:bodyPr wrap="square" rtlCol="0">
+            <a:spAutoFit/>
+          </a:bodyPr>
+          <a:lstStyle/>
+          <a:p>
+            <a:pPr algn="ctr"/>
+            <a:r>
+              <a:rPr lang="es-ES" sz="2000" dirty="0" smtClean="0"/>
+              <a:t>Resultados obtenidos</a:t>
+            </a:r>
+          </a:p>
+        </p:txBody>
+      </p:sp>
+    </p:spTree>
+    <p:extLst>
+      <p:ext uri="{BB962C8B-B14F-4D97-AF65-F5344CB8AC3E}">
+        <p14:creationId xmlns:p14="http://schemas.microsoft.com/office/powerpoint/2010/main" val="1595253707"/>
       </p:ext>
     </p:extLst>
   </p:cSld>

--- a/Defensa/Defensa.pptx
+++ b/Defensa/Defensa.pptx
@@ -8389,8 +8389,13 @@
             </a:r>
             <a:r>
               <a:rPr lang="es-ES" sz="1400" dirty="0" smtClean="0"/>
-              <a:t>- Cuando hay pixeles cercanos en altura se generan batidos</a:t>
-            </a:r>
+              <a:t>- Cuando hay pixeles cercanos en altura se generan </a:t>
+            </a:r>
+            <a:r>
+              <a:rPr lang="es-ES" sz="1400" dirty="0" smtClean="0"/>
+              <a:t>batidos.</a:t>
+            </a:r>
+            <a:endParaRPr lang="es-ES" sz="1400" dirty="0" smtClean="0"/>
           </a:p>
           <a:p>
             <a:r>
@@ -8399,8 +8404,13 @@
             </a:r>
             <a:r>
               <a:rPr lang="es-ES" sz="1400" dirty="0" smtClean="0"/>
-              <a:t>	- Cuando los pixeles empiezan y terminan se generan armónicos</a:t>
-            </a:r>
+              <a:t>	- Cuando los pixeles empiezan y terminan se generan </a:t>
+            </a:r>
+            <a:r>
+              <a:rPr lang="es-ES" sz="1400" dirty="0" smtClean="0"/>
+              <a:t>armónicos.</a:t>
+            </a:r>
+            <a:endParaRPr lang="es-ES" sz="1400" dirty="0" smtClean="0"/>
           </a:p>
           <a:p>
             <a:endParaRPr lang="es-ES" dirty="0" smtClean="0"/>
@@ -8424,7 +8434,11 @@
             </a:r>
             <a:r>
               <a:rPr lang="es-ES" sz="1400" dirty="0" smtClean="0"/>
-              <a:t> la información. Y a mayor resolución se incrementan.</a:t>
+              <a:t> la información. Y </a:t>
+            </a:r>
+            <a:r>
+              <a:rPr lang="es-ES" sz="1400" dirty="0" smtClean="0"/>
+              <a:t>aumentan con la resolución.</a:t>
             </a:r>
             <a:endParaRPr lang="es-ES" sz="1400" dirty="0"/>
           </a:p>
@@ -9297,7 +9311,15 @@
             <a:pPr algn="ctr"/>
             <a:r>
               <a:rPr lang="es-ES" sz="2000" dirty="0" smtClean="0"/>
-              <a:t>Para hacer los experimentos tuvimos que desarrollar un software especifico.</a:t>
+              <a:t>Para hacer los experimentos tuvimos que desarrollar un software </a:t>
+            </a:r>
+            <a:r>
+              <a:rPr lang="es-ES" sz="2000" dirty="0" smtClean="0"/>
+              <a:t>específico</a:t>
+            </a:r>
+            <a:r>
+              <a:rPr lang="es-ES" sz="2000" dirty="0" smtClean="0"/>
+              <a:t>.</a:t>
             </a:r>
           </a:p>
           <a:p>
@@ -12107,7 +12129,11 @@
           <a:p>
             <a:r>
               <a:rPr lang="es-ES" sz="1400" dirty="0" smtClean="0"/>
-              <a:t>Estimulo neutro</a:t>
+              <a:t>Estímulo </a:t>
+            </a:r>
+            <a:r>
+              <a:rPr lang="es-ES" sz="1400" dirty="0" smtClean="0"/>
+              <a:t>neutro</a:t>
             </a:r>
             <a:endParaRPr lang="es-ES" sz="1400" dirty="0"/>
           </a:p>
@@ -12332,8 +12358,21 @@
             </a:pPr>
             <a:r>
               <a:rPr lang="es-ES" sz="2000" dirty="0" smtClean="0"/>
-              <a:t>Se agrego la medición de la categoría ángulos</a:t>
-            </a:r>
+              <a:t>Se </a:t>
+            </a:r>
+            <a:r>
+              <a:rPr lang="es-ES" sz="2000" dirty="0" smtClean="0"/>
+              <a:t>agregó </a:t>
+            </a:r>
+            <a:r>
+              <a:rPr lang="es-ES" sz="2000" dirty="0" smtClean="0"/>
+              <a:t>la medición de la categoría </a:t>
+            </a:r>
+            <a:r>
+              <a:rPr lang="es-ES" sz="2000" dirty="0" smtClean="0"/>
+              <a:t>ángulos.</a:t>
+            </a:r>
+            <a:endParaRPr lang="es-ES" sz="2000" dirty="0" smtClean="0"/>
           </a:p>
           <a:p>
             <a:pPr marL="285750" indent="-285750">
@@ -12342,8 +12381,21 @@
             </a:pPr>
             <a:r>
               <a:rPr lang="es-ES" sz="2000" dirty="0" smtClean="0"/>
-              <a:t>Se selecciono unas pocas orientaciones</a:t>
-            </a:r>
+              <a:t>Se </a:t>
+            </a:r>
+            <a:r>
+              <a:rPr lang="es-ES" sz="2000" dirty="0" smtClean="0"/>
+              <a:t>seleccionó </a:t>
+            </a:r>
+            <a:r>
+              <a:rPr lang="es-ES" sz="2000" dirty="0" smtClean="0"/>
+              <a:t>unas pocas </a:t>
+            </a:r>
+            <a:r>
+              <a:rPr lang="es-ES" sz="2000" dirty="0" smtClean="0"/>
+              <a:t>orientaciones.</a:t>
+            </a:r>
+            <a:endParaRPr lang="es-ES" sz="2000" dirty="0" smtClean="0"/>
           </a:p>
           <a:p>
             <a:pPr marL="285750" indent="-285750">
@@ -12352,8 +12404,13 @@
             </a:pPr>
             <a:r>
               <a:rPr lang="es-ES" sz="2000" dirty="0" smtClean="0"/>
-              <a:t>Se hizo el experimento con 12 sujetos en condición de laboratorio</a:t>
-            </a:r>
+              <a:t>Se hizo el experimento con 12 sujetos en condición de </a:t>
+            </a:r>
+            <a:r>
+              <a:rPr lang="es-ES" sz="2000" dirty="0" smtClean="0"/>
+              <a:t>laboratorio.</a:t>
+            </a:r>
+            <a:endParaRPr lang="es-ES" sz="2000" dirty="0" smtClean="0"/>
           </a:p>
         </p:txBody>
       </p:sp>
@@ -12775,7 +12832,11 @@
           <a:p>
             <a:r>
               <a:rPr lang="es-ES" sz="1400" dirty="0" smtClean="0"/>
-              <a:t>Estimulo neutro</a:t>
+              <a:t>Estímulo </a:t>
+            </a:r>
+            <a:r>
+              <a:rPr lang="es-ES" sz="1400" dirty="0" smtClean="0"/>
+              <a:t>neutro</a:t>
             </a:r>
             <a:endParaRPr lang="es-ES" sz="1400" dirty="0"/>
           </a:p>
@@ -13030,8 +13091,21 @@
             </a:pPr>
             <a:r>
               <a:rPr lang="es-ES" sz="2000" dirty="0" smtClean="0"/>
-              <a:t>Se agrego la medición de la categoría ángulos</a:t>
-            </a:r>
+              <a:t>Se </a:t>
+            </a:r>
+            <a:r>
+              <a:rPr lang="es-ES" sz="2000" dirty="0" smtClean="0"/>
+              <a:t>agregó </a:t>
+            </a:r>
+            <a:r>
+              <a:rPr lang="es-ES" sz="2000" dirty="0" smtClean="0"/>
+              <a:t>la medición de la categoría </a:t>
+            </a:r>
+            <a:r>
+              <a:rPr lang="es-ES" sz="2000" dirty="0" smtClean="0"/>
+              <a:t>ángulos.</a:t>
+            </a:r>
+            <a:endParaRPr lang="es-ES" sz="2000" dirty="0" smtClean="0"/>
           </a:p>
           <a:p>
             <a:pPr marL="285750" indent="-285750">
@@ -13040,8 +13114,21 @@
             </a:pPr>
             <a:r>
               <a:rPr lang="es-ES" sz="2000" dirty="0" smtClean="0"/>
-              <a:t>Se selecciono unas pocas orientaciones</a:t>
-            </a:r>
+              <a:t>Se </a:t>
+            </a:r>
+            <a:r>
+              <a:rPr lang="es-ES" sz="2000" dirty="0" smtClean="0"/>
+              <a:t>seleccionó </a:t>
+            </a:r>
+            <a:r>
+              <a:rPr lang="es-ES" sz="2000" dirty="0" smtClean="0"/>
+              <a:t>unas pocas </a:t>
+            </a:r>
+            <a:r>
+              <a:rPr lang="es-ES" sz="2000" dirty="0" smtClean="0"/>
+              <a:t>orientaciones.</a:t>
+            </a:r>
+            <a:endParaRPr lang="es-ES" sz="2000" dirty="0" smtClean="0"/>
           </a:p>
           <a:p>
             <a:pPr marL="285750" indent="-285750">
@@ -13050,8 +13137,13 @@
             </a:pPr>
             <a:r>
               <a:rPr lang="es-ES" sz="2000" dirty="0" smtClean="0"/>
-              <a:t>Se hizo el experimento con 12 sujetos en condición de laboratorio</a:t>
-            </a:r>
+              <a:t>Se hizo el experimento con 12 sujetos en condición de </a:t>
+            </a:r>
+            <a:r>
+              <a:rPr lang="es-ES" sz="2000" dirty="0" smtClean="0"/>
+              <a:t>laboratorio.</a:t>
+            </a:r>
+            <a:endParaRPr lang="es-ES" sz="2000" dirty="0" smtClean="0"/>
           </a:p>
         </p:txBody>
       </p:sp>
@@ -13183,15 +13275,7 @@
             <a:pPr algn="ctr"/>
             <a:r>
               <a:rPr lang="es-ES" sz="3600" dirty="0" smtClean="0"/>
-              <a:t>De </a:t>
-            </a:r>
-            <a:r>
-              <a:rPr lang="es-ES" sz="3600" dirty="0" smtClean="0"/>
-              <a:t>qué </a:t>
-            </a:r>
-            <a:r>
-              <a:rPr lang="es-ES" sz="3600" dirty="0" smtClean="0"/>
-              <a:t>vamos a hablar…</a:t>
+              <a:t>De qué vamos a hablar…</a:t>
             </a:r>
             <a:endParaRPr lang="es-ES" sz="3600" dirty="0"/>
           </a:p>
@@ -14198,8 +14282,8 @@
         </p:nvSpPr>
         <p:spPr>
           <a:xfrm>
-            <a:off x="2144621" y="1052736"/>
-            <a:ext cx="4814780" cy="369332"/>
+            <a:off x="2174373" y="1052736"/>
+            <a:ext cx="4755276" cy="369332"/>
           </a:xfrm>
           <a:prstGeom prst="rect">
             <a:avLst/>
@@ -14215,7 +14299,11 @@
             <a:pPr algn="ctr"/>
             <a:r>
               <a:rPr lang="es-ES" dirty="0" smtClean="0"/>
-              <a:t>Queremos observar el efecto del entrenamiento</a:t>
+              <a:t>Queríamos </a:t>
+            </a:r>
+            <a:r>
+              <a:rPr lang="es-ES" dirty="0" smtClean="0"/>
+              <a:t>observar el efecto del entrenamiento</a:t>
             </a:r>
             <a:endParaRPr lang="es-ES" dirty="0"/>
           </a:p>
@@ -14592,8 +14680,12 @@
           <a:p>
             <a:pPr algn="ctr"/>
             <a:r>
+              <a:rPr lang="es-ES" dirty="0"/>
+              <a:t>Queríamos observar </a:t>
+            </a:r>
+            <a:r>
               <a:rPr lang="es-ES" dirty="0" smtClean="0"/>
-              <a:t>Queremos observar el efecto del entrenamiento</a:t>
+              <a:t>el efecto del entrenamiento</a:t>
             </a:r>
             <a:endParaRPr lang="es-ES" dirty="0"/>
           </a:p>
@@ -16062,8 +16154,12 @@
           <a:p>
             <a:pPr algn="ctr"/>
             <a:r>
+              <a:rPr lang="es-ES" dirty="0"/>
+              <a:t>Queríamos observar </a:t>
+            </a:r>
+            <a:r>
               <a:rPr lang="es-ES" dirty="0" smtClean="0"/>
-              <a:t>Queremos observar el efecto del entrenamiento</a:t>
+              <a:t>el efecto del entrenamiento</a:t>
             </a:r>
             <a:endParaRPr lang="es-ES" dirty="0"/>
           </a:p>
@@ -18888,8 +18984,12 @@
           <a:p>
             <a:pPr algn="ctr"/>
             <a:r>
+              <a:rPr lang="es-ES" dirty="0"/>
+              <a:t>Queríamos observar </a:t>
+            </a:r>
+            <a:r>
               <a:rPr lang="es-ES" dirty="0" smtClean="0"/>
-              <a:t>Queremos observar el efecto del entrenamiento</a:t>
+              <a:t>el efecto del entrenamiento</a:t>
             </a:r>
             <a:endParaRPr lang="es-ES" dirty="0"/>
           </a:p>
@@ -19894,8 +19994,8 @@
         </p:nvSpPr>
         <p:spPr>
           <a:xfrm>
-            <a:off x="0" y="4869160"/>
-            <a:ext cx="9124011" cy="1877437"/>
+            <a:off x="755576" y="5212938"/>
+            <a:ext cx="8296427" cy="1600438"/>
           </a:xfrm>
           <a:prstGeom prst="rect">
             <a:avLst/>
@@ -19910,17 +20010,11 @@
           <a:p>
             <a:r>
               <a:rPr lang="es-ES" dirty="0" smtClean="0"/>
-              <a:t>Resultados relevantes:</a:t>
-            </a:r>
-          </a:p>
-          <a:p>
-            <a:r>
-              <a:rPr lang="es-ES" dirty="0"/>
-              <a:t>	</a:t>
+              <a:t>a</a:t>
             </a:r>
             <a:r>
               <a:rPr lang="es-ES" dirty="0" smtClean="0"/>
-              <a:t>a)</a:t>
+              <a:t>)</a:t>
             </a:r>
             <a:r>
               <a:rPr lang="es-ES" sz="1600" dirty="0" smtClean="0"/>
@@ -19930,7 +20024,11 @@
           <a:p>
             <a:r>
               <a:rPr lang="es-ES" sz="1600" dirty="0" smtClean="0"/>
-              <a:t>	b) Quitar el </a:t>
+              <a:t>b</a:t>
+            </a:r>
+            <a:r>
+              <a:rPr lang="es-ES" sz="1600" dirty="0" smtClean="0"/>
+              <a:t>) Quitar el </a:t>
             </a:r>
             <a:r>
               <a:rPr lang="es-ES" sz="1600" dirty="0" err="1" smtClean="0"/>
@@ -19943,12 +20041,16 @@
           </a:p>
           <a:p>
             <a:r>
-              <a:rPr lang="es-ES" sz="1600" dirty="0"/>
-              <a:t>	</a:t>
-            </a:r>
-            <a:r>
               <a:rPr lang="es-ES" sz="1600" dirty="0" smtClean="0"/>
-              <a:t>c) Hay un salto cualitativo en la primer sesión que hace que los sujetos mejoren mucho más que con la posterior reiteración del entrenamiento. Este efecto esta mucho mas marcado en ángulos</a:t>
+              <a:t>c</a:t>
+            </a:r>
+            <a:r>
+              <a:rPr lang="es-ES" sz="1600" dirty="0" smtClean="0"/>
+              <a:t>) Hay un salto cualitativo en la primer sesión que hace que los sujetos mejoren mucho más que con la posterior reiteración del entrenamiento. Este efecto esta mucho mas marcado en </a:t>
+            </a:r>
+            <a:r>
+              <a:rPr lang="es-ES" sz="1600" dirty="0" smtClean="0"/>
+              <a:t>ángulos.</a:t>
             </a:r>
             <a:endParaRPr lang="es-ES" sz="1600" dirty="0"/>
           </a:p>
@@ -20089,6 +20191,38 @@
               <a:rPr lang="es-ES" dirty="0" smtClean="0"/>
               <a:t>c)</a:t>
             </a:r>
+            <a:endParaRPr lang="es-ES" dirty="0"/>
+          </a:p>
+        </p:txBody>
+      </p:sp>
+      <p:sp>
+        <p:nvSpPr>
+          <p:cNvPr id="7" name="6 CuadroTexto"/>
+          <p:cNvSpPr txBox="1"/>
+          <p:nvPr/>
+        </p:nvSpPr>
+        <p:spPr>
+          <a:xfrm>
+            <a:off x="50151" y="4870901"/>
+            <a:ext cx="2289601" cy="646331"/>
+          </a:xfrm>
+          <a:prstGeom prst="rect">
+            <a:avLst/>
+          </a:prstGeom>
+          <a:noFill/>
+        </p:spPr>
+        <p:txBody>
+          <a:bodyPr wrap="none" rtlCol="0">
+            <a:spAutoFit/>
+          </a:bodyPr>
+          <a:lstStyle/>
+          <a:p>
+            <a:r>
+              <a:rPr lang="es-ES" dirty="0"/>
+              <a:t>Resultados relevantes:</a:t>
+            </a:r>
+          </a:p>
+          <a:p>
             <a:endParaRPr lang="es-ES" dirty="0"/>
           </a:p>
         </p:txBody>
@@ -20736,8 +20870,13 @@
             </a:r>
             <a:r>
               <a:rPr lang="es-ES" dirty="0" smtClean="0"/>
-              <a:t>- Hay muy pocos sujetos como para hacer estadística comparando las medidas</a:t>
-            </a:r>
+              <a:t>- Hay muy pocos sujetos como para hacer estadística comparando las </a:t>
+            </a:r>
+            <a:r>
+              <a:rPr lang="es-ES" dirty="0" smtClean="0"/>
+              <a:t>medidas.</a:t>
+            </a:r>
+            <a:endParaRPr lang="es-ES" dirty="0" smtClean="0"/>
           </a:p>
           <a:p>
             <a:r>
@@ -21084,7 +21223,15 @@
             </a:r>
             <a:r>
               <a:rPr lang="es-ES" dirty="0" smtClean="0"/>
-              <a:t>), los sujetos pueden reconocer patrones con muchísimo menos entrenamiento que en el caso de los estímulos complejos. Probablemente se deba a que no tienen que distinguir figura de fondo y a habilidades de compresión geométrica abstractas e independientes de la representación utilizada.</a:t>
+              <a:t>), los sujetos pueden reconocer patrones con muchísimo menos entrenamiento que en el caso de los estímulos complejos. Probablemente se deba a que no tienen que distinguir figura de </a:t>
+            </a:r>
+            <a:r>
+              <a:rPr lang="es-ES" dirty="0" smtClean="0"/>
+              <a:t>fondo. Junto </a:t>
+            </a:r>
+            <a:r>
+              <a:rPr lang="es-ES" dirty="0" smtClean="0"/>
+              <a:t>a habilidades de compresión geométrica abstractas e independientes de la representación utilizada.</a:t>
             </a:r>
           </a:p>
           <a:p>
@@ -21515,16 +21662,16 @@
               <a:buChar char="-"/>
             </a:pPr>
             <a:r>
-              <a:rPr lang="es-ES" dirty="0" smtClean="0"/>
+              <a:rPr lang="es-ES" dirty="0"/>
               <a:t>Al simplificar el estímulo que se presenta (siempre usando la lógica de representación de la información del </a:t>
             </a:r>
             <a:r>
-              <a:rPr lang="es-ES" dirty="0" err="1" smtClean="0"/>
+              <a:rPr lang="es-ES" dirty="0" err="1"/>
               <a:t>vOICe</a:t>
             </a:r>
             <a:r>
-              <a:rPr lang="es-ES" dirty="0" smtClean="0"/>
-              <a:t>), los sujetos pueden reconocer patrones con muchísimo menos entrenamiento que en el caso de los estímulos complejos. Probablemente se deba a que no tienen que distinguir figura de fondo y a habilidades de compresión geométrica abstractas e independientes de la representación utilizada.</a:t>
+              <a:rPr lang="es-ES" dirty="0"/>
+              <a:t>), los sujetos pueden reconocer patrones con muchísimo menos entrenamiento que en el caso de los estímulos complejos. Probablemente se deba a que no tienen que distinguir figura de fondo. Junto a habilidades de compresión geométrica abstractas e independientes de la representación utilizada.</a:t>
             </a:r>
           </a:p>
           <a:p>
@@ -21534,7 +21681,11 @@
             </a:pPr>
             <a:r>
               <a:rPr lang="es-ES" dirty="0" smtClean="0"/>
-              <a:t>El sistema de representación utilizado es constructivamente no invariante frente a rotaciones, y esta característica se refleja en la sensibilidad a la orientación de los segmentos que disminuye lejos de los ejes. </a:t>
+              <a:t>El </a:t>
+            </a:r>
+            <a:r>
+              <a:rPr lang="es-ES" dirty="0" smtClean="0"/>
+              <a:t>sistema de representación utilizado es constructivamente no invariante frente a rotaciones, y esta característica se refleja en la sensibilidad a la orientación de los segmentos que disminuye lejos de los ejes. </a:t>
             </a:r>
           </a:p>
         </p:txBody>
@@ -21713,16 +21864,16 @@
               <a:buChar char="-"/>
             </a:pPr>
             <a:r>
-              <a:rPr lang="es-ES" dirty="0" smtClean="0"/>
+              <a:rPr lang="es-ES" dirty="0"/>
               <a:t>Al simplificar el estímulo que se presenta (siempre usando la lógica de representación de la información del </a:t>
             </a:r>
             <a:r>
-              <a:rPr lang="es-ES" dirty="0" err="1" smtClean="0"/>
+              <a:rPr lang="es-ES" dirty="0" err="1"/>
               <a:t>vOICe</a:t>
             </a:r>
             <a:r>
-              <a:rPr lang="es-ES" dirty="0" smtClean="0"/>
-              <a:t>), los sujetos pueden reconocer patrones con muchísimo menos entrenamiento que en el caso de los estímulos complejos. Probablemente se deba a que no tienen que distinguir figura de fondo y a habilidades de compresión geométrica abstractas e independientes de la representación utilizada.</a:t>
+              <a:rPr lang="es-ES" dirty="0"/>
+              <a:t>), los sujetos pueden reconocer patrones con muchísimo menos entrenamiento que en el caso de los estímulos complejos. Probablemente se deba a que no tienen que distinguir figura de fondo. Junto a habilidades de compresión geométrica abstractas e independientes de la representación utilizada.</a:t>
             </a:r>
           </a:p>
           <a:p>
@@ -21732,7 +21883,11 @@
             </a:pPr>
             <a:r>
               <a:rPr lang="es-ES" dirty="0" smtClean="0"/>
-              <a:t>El sistema de representación utilizado es constructivamente no invariante frente a rotaciones, y esta característica se refleja en la sensibilidad a la orientación de los segmentos que disminuye lejos de los ejes. </a:t>
+              <a:t>El </a:t>
+            </a:r>
+            <a:r>
+              <a:rPr lang="es-ES" dirty="0" smtClean="0"/>
+              <a:t>sistema de representación utilizado es constructivamente no invariante frente a rotaciones, y esta característica se refleja en la sensibilidad a la orientación de los segmentos que disminuye lejos de los ejes. </a:t>
             </a:r>
           </a:p>
           <a:p>
@@ -21921,16 +22076,16 @@
               <a:buChar char="-"/>
             </a:pPr>
             <a:r>
-              <a:rPr lang="es-ES" dirty="0" smtClean="0"/>
+              <a:rPr lang="es-ES" dirty="0"/>
               <a:t>Al simplificar el estímulo que se presenta (siempre usando la lógica de representación de la información del </a:t>
             </a:r>
             <a:r>
-              <a:rPr lang="es-ES" dirty="0" err="1" smtClean="0"/>
+              <a:rPr lang="es-ES" dirty="0" err="1"/>
               <a:t>vOICe</a:t>
             </a:r>
             <a:r>
-              <a:rPr lang="es-ES" dirty="0" smtClean="0"/>
-              <a:t>), los sujetos pueden reconocer patrones con muchísimo menos entrenamiento que en el caso de los estímulos complejos. Probablemente se deba a que no tienen que distinguir figura de fondo y a habilidades de compresión geométrica abstractas e independientes de la representación utilizada.</a:t>
+              <a:rPr lang="es-ES" dirty="0"/>
+              <a:t>), los sujetos pueden reconocer patrones con muchísimo menos entrenamiento que en el caso de los estímulos complejos. Probablemente se deba a que no tienen que distinguir figura de fondo. Junto a habilidades de compresión geométrica abstractas e independientes de la representación utilizada.</a:t>
             </a:r>
           </a:p>
           <a:p>
@@ -21940,7 +22095,11 @@
             </a:pPr>
             <a:r>
               <a:rPr lang="es-ES" dirty="0" smtClean="0"/>
-              <a:t>El sistema de representación utilizado es constructivamente no invariante frente a rotaciones, y esta característica se refleja en la sensibilidad a la orientación de los segmentos que disminuye lejos de los ejes. </a:t>
+              <a:t>El </a:t>
+            </a:r>
+            <a:r>
+              <a:rPr lang="es-ES" dirty="0" smtClean="0"/>
+              <a:t>sistema de representación utilizado es constructivamente no invariante frente a rotaciones, y esta característica se refleja en la sensibilidad a la orientación de los segmentos que disminuye lejos de los ejes. </a:t>
             </a:r>
           </a:p>
           <a:p>
@@ -21968,7 +22127,39 @@
             </a:r>
             <a:r>
               <a:rPr lang="es-ES" dirty="0" smtClean="0"/>
-              <a:t>. Este efecto es mas marcado en el caso de paralelismo que en el de ángulos, probablemente a que sea una tarea inicialmente mas difícil de comprender. </a:t>
+              <a:t>. Este efecto es </a:t>
+            </a:r>
+            <a:r>
+              <a:rPr lang="es-ES" dirty="0" smtClean="0"/>
+              <a:t>más </a:t>
+            </a:r>
+            <a:r>
+              <a:rPr lang="es-ES" dirty="0" smtClean="0"/>
+              <a:t>marcado en el caso de paralelismo que en el de </a:t>
+            </a:r>
+            <a:r>
+              <a:rPr lang="es-ES" dirty="0" smtClean="0"/>
+              <a:t>ángulos. Probablemente se deba a </a:t>
+            </a:r>
+            <a:r>
+              <a:rPr lang="es-ES" dirty="0" smtClean="0"/>
+              <a:t>que </a:t>
+            </a:r>
+            <a:r>
+              <a:rPr lang="es-ES" dirty="0" smtClean="0"/>
+              <a:t>es </a:t>
+            </a:r>
+            <a:r>
+              <a:rPr lang="es-ES" dirty="0" smtClean="0"/>
+              <a:t>una tarea inicialmente </a:t>
+            </a:r>
+            <a:r>
+              <a:rPr lang="es-ES" dirty="0" smtClean="0"/>
+              <a:t>más </a:t>
+            </a:r>
+            <a:r>
+              <a:rPr lang="es-ES" dirty="0" smtClean="0"/>
+              <a:t>difícil de comprender. </a:t>
             </a:r>
           </a:p>
           <a:p>
@@ -22155,7 +22346,15 @@
             </a:pPr>
             <a:r>
               <a:rPr lang="es-ES" dirty="0" smtClean="0"/>
-              <a:t>En vista de los últimos resultados, tendría sentido reconsiderar la estrategia para estudiar y caracterizar que aspectos del  entrenamiento hacer que los sujetos mejoren rápidamente sus habilidades. </a:t>
+              <a:t>En vista de los últimos resultados, tendría sentido reconsiderar la estrategia para estudiar y caracterizar que aspectos del  entrenamiento </a:t>
+            </a:r>
+            <a:r>
+              <a:rPr lang="es-ES" dirty="0" smtClean="0"/>
+              <a:t>hacen </a:t>
+            </a:r>
+            <a:r>
+              <a:rPr lang="es-ES" dirty="0" smtClean="0"/>
+              <a:t>que los sujetos mejoren rápidamente sus habilidades. </a:t>
             </a:r>
           </a:p>
         </p:txBody>
@@ -22335,7 +22534,15 @@
             </a:pPr>
             <a:r>
               <a:rPr lang="es-ES" dirty="0" smtClean="0"/>
-              <a:t>En vista de los últimos resultados, tendría sentido reconsiderar la estrategia para estudiar y caracterizar que aspectos del  entrenamiento hacer que los sujetos mejoren rápidamente sus habilidades. </a:t>
+              <a:t>En vista de los últimos resultados, tendría sentido reconsiderar la estrategia para estudiar y caracterizar que aspectos del  entrenamiento </a:t>
+            </a:r>
+            <a:r>
+              <a:rPr lang="es-ES" dirty="0" smtClean="0"/>
+              <a:t>hacen </a:t>
+            </a:r>
+            <a:r>
+              <a:rPr lang="es-ES" dirty="0" smtClean="0"/>
+              <a:t>que los sujetos mejoren rápidamente sus habilidades. </a:t>
             </a:r>
           </a:p>
           <a:p>
@@ -22345,7 +22552,23 @@
             </a:pPr>
             <a:r>
               <a:rPr lang="es-ES" dirty="0" smtClean="0"/>
-              <a:t>Suponemos que hay un proceso de comprensión cualitativo que esta relacionado con la correcta interpretación del sistema de representación de la información, que produce un cambio de mayor intensidad que el posterior entrenamiento. Seria bueno profundizar en esta hipótesis o estudiar como se da el proceso.</a:t>
+              <a:t>Suponemos que hay un proceso de comprensión cualitativo que </a:t>
+            </a:r>
+            <a:r>
+              <a:rPr lang="es-ES" dirty="0" smtClean="0"/>
+              <a:t>está </a:t>
+            </a:r>
+            <a:r>
+              <a:rPr lang="es-ES" dirty="0" smtClean="0"/>
+              <a:t>relacionado con la correcta interpretación del sistema de representación de la información, que produce un cambio de mayor intensidad que el posterior entrenamiento. </a:t>
+            </a:r>
+            <a:r>
+              <a:rPr lang="es-ES" dirty="0" smtClean="0"/>
+              <a:t>Sería </a:t>
+            </a:r>
+            <a:r>
+              <a:rPr lang="es-ES" dirty="0" smtClean="0"/>
+              <a:t>bueno profundizar en esta hipótesis o estudiar como se da el proceso.</a:t>
             </a:r>
           </a:p>
         </p:txBody>
@@ -22525,7 +22748,15 @@
             </a:pPr>
             <a:r>
               <a:rPr lang="es-ES" dirty="0" smtClean="0"/>
-              <a:t>En vista de los últimos resultados, tendría sentido reconsiderar la estrategia para estudiar y caracterizar que aspectos del  entrenamiento hacer que los sujetos mejoren rápidamente sus habilidades. </a:t>
+              <a:t>En vista de los últimos resultados, tendría sentido reconsiderar la estrategia para estudiar y caracterizar que aspectos del  entrenamiento </a:t>
+            </a:r>
+            <a:r>
+              <a:rPr lang="es-ES" dirty="0" smtClean="0"/>
+              <a:t>hacen </a:t>
+            </a:r>
+            <a:r>
+              <a:rPr lang="es-ES" dirty="0" smtClean="0"/>
+              <a:t>que los sujetos mejoren rápidamente sus habilidades. </a:t>
             </a:r>
           </a:p>
           <a:p>
@@ -22535,7 +22766,23 @@
             </a:pPr>
             <a:r>
               <a:rPr lang="es-ES" dirty="0" smtClean="0"/>
-              <a:t>Suponemos que hay un proceso de comprensión cualitativo que esta relacionado con la correcta interpretación del sistema de representación de la información, que produce un cambio de mayor intensidad que el posterior entrenamiento. Seria bueno profundizar en esta hipótesis o estudiar como se da el proceso.</a:t>
+              <a:t>Suponemos que hay un proceso de comprensión cualitativo que </a:t>
+            </a:r>
+            <a:r>
+              <a:rPr lang="es-ES" dirty="0" smtClean="0"/>
+              <a:t>está </a:t>
+            </a:r>
+            <a:r>
+              <a:rPr lang="es-ES" dirty="0" smtClean="0"/>
+              <a:t>relacionado con la correcta interpretación del sistema de representación de la información, que produce un cambio de mayor intensidad que el posterior entrenamiento. </a:t>
+            </a:r>
+            <a:r>
+              <a:rPr lang="es-ES" dirty="0" smtClean="0"/>
+              <a:t>Sería </a:t>
+            </a:r>
+            <a:r>
+              <a:rPr lang="es-ES" dirty="0" smtClean="0"/>
+              <a:t>bueno profundizar en esta hipótesis o estudiar como se da el proceso.</a:t>
             </a:r>
           </a:p>
           <a:p>
@@ -22545,7 +22792,15 @@
             </a:pPr>
             <a:r>
               <a:rPr lang="es-ES" dirty="0" smtClean="0"/>
-              <a:t>También seria interesante cuantificar la percepción de otros aspectos </a:t>
+              <a:t>También </a:t>
+            </a:r>
+            <a:r>
+              <a:rPr lang="es-ES" dirty="0" smtClean="0"/>
+              <a:t>sería </a:t>
+            </a:r>
+            <a:r>
+              <a:rPr lang="es-ES" dirty="0" smtClean="0"/>
+              <a:t>interesante cuantificar la percepción de otros aspectos </a:t>
             </a:r>
             <a:r>
               <a:rPr lang="es-ES" dirty="0"/>
@@ -22553,7 +22808,15 @@
             </a:r>
             <a:r>
               <a:rPr lang="es-ES" dirty="0" smtClean="0"/>
-              <a:t> (además de las rotaciones) que en este trabajo no fueron casi estudiados. Por ejemplo como varia la percepción en función de la localización de estímulos o si tamaño. </a:t>
+              <a:t> (además de las rotaciones) que en este trabajo no fueron casi estudiados. Por ejemplo como </a:t>
+            </a:r>
+            <a:r>
+              <a:rPr lang="es-ES" dirty="0" smtClean="0"/>
+              <a:t>varía </a:t>
+            </a:r>
+            <a:r>
+              <a:rPr lang="es-ES" dirty="0" smtClean="0"/>
+              <a:t>la percepción en función de la localización de estímulos o si tamaño. </a:t>
             </a:r>
           </a:p>
         </p:txBody>
@@ -22733,7 +22996,15 @@
             </a:pPr>
             <a:r>
               <a:rPr lang="es-ES" dirty="0" smtClean="0"/>
-              <a:t>En vista de los últimos resultados, tendría sentido reconsiderar la estrategia para estudiar y caracterizar que aspectos del  entrenamiento hacer que los sujetos mejoren rápidamente sus habilidades. </a:t>
+              <a:t>En vista de los últimos resultados, tendría sentido reconsiderar la estrategia para estudiar y caracterizar que aspectos del  entrenamiento </a:t>
+            </a:r>
+            <a:r>
+              <a:rPr lang="es-ES" dirty="0" smtClean="0"/>
+              <a:t>hacen </a:t>
+            </a:r>
+            <a:r>
+              <a:rPr lang="es-ES" dirty="0" smtClean="0"/>
+              <a:t>que los sujetos mejoren rápidamente sus habilidades. </a:t>
             </a:r>
           </a:p>
           <a:p>
@@ -22743,7 +23014,23 @@
             </a:pPr>
             <a:r>
               <a:rPr lang="es-ES" dirty="0" smtClean="0"/>
-              <a:t>Suponemos que hay un proceso de comprensión cualitativo que esta relacionado con la correcta interpretación del sistema de representación de la información, que produce un cambio de mayor intensidad que el posterior entrenamiento. Seria bueno profundizar en esta hipótesis o estudiar como se da el proceso.</a:t>
+              <a:t>Suponemos que hay un proceso de comprensión cualitativo que </a:t>
+            </a:r>
+            <a:r>
+              <a:rPr lang="es-ES" dirty="0" smtClean="0"/>
+              <a:t>está </a:t>
+            </a:r>
+            <a:r>
+              <a:rPr lang="es-ES" dirty="0" smtClean="0"/>
+              <a:t>relacionado con la correcta interpretación del sistema de representación de la información, que produce un cambio de mayor intensidad que el posterior entrenamiento. </a:t>
+            </a:r>
+            <a:r>
+              <a:rPr lang="es-ES" dirty="0" smtClean="0"/>
+              <a:t>Sería </a:t>
+            </a:r>
+            <a:r>
+              <a:rPr lang="es-ES" dirty="0" smtClean="0"/>
+              <a:t>bueno profundizar en esta hipótesis o estudiar como se da el proceso.</a:t>
             </a:r>
           </a:p>
           <a:p>
@@ -22753,7 +23040,15 @@
             </a:pPr>
             <a:r>
               <a:rPr lang="es-ES" dirty="0" smtClean="0"/>
-              <a:t>También seria interesante cuantificar la percepción de otros aspectos </a:t>
+              <a:t>También </a:t>
+            </a:r>
+            <a:r>
+              <a:rPr lang="es-ES" dirty="0" smtClean="0"/>
+              <a:t>sería </a:t>
+            </a:r>
+            <a:r>
+              <a:rPr lang="es-ES" dirty="0" smtClean="0"/>
+              <a:t>interesante cuantificar la percepción de otros aspectos </a:t>
             </a:r>
             <a:r>
               <a:rPr lang="es-ES" dirty="0"/>
@@ -22761,7 +23056,15 @@
             </a:r>
             <a:r>
               <a:rPr lang="es-ES" dirty="0" smtClean="0"/>
-              <a:t> (además de las rotaciones) que en este trabajo no fueron casi estudiados. Por ejemplo como varia la percepción en función de la localización de estímulos o si tamaño. </a:t>
+              <a:t> (además de las rotaciones) que en este trabajo no fueron casi estudiados. Por ejemplo como </a:t>
+            </a:r>
+            <a:r>
+              <a:rPr lang="es-ES" dirty="0" smtClean="0"/>
+              <a:t>varía </a:t>
+            </a:r>
+            <a:r>
+              <a:rPr lang="es-ES" dirty="0" smtClean="0"/>
+              <a:t>la percepción en función de la localización de estímulos o si tamaño. </a:t>
             </a:r>
           </a:p>
           <a:p>
@@ -22771,7 +23074,15 @@
             </a:pPr>
             <a:r>
               <a:rPr lang="es-ES" dirty="0" smtClean="0"/>
-              <a:t>Las herramientas desarrolladas durante este trabajo (de las que casi no hablamos en esta presentación) permiten realizar experimentos a distancia, a través de celulares o paginas de internet. Con estas herramientas se podría pensar experimentos sencillos y cortos, pero que se realicen de manera masiva, para explorar aspectos hasta ahora no trabajados.</a:t>
+              <a:t>Las herramientas desarrolladas durante este trabajo (de las que casi no hablamos en esta presentación) permiten realizar experimentos a distancia, a través de celulares o </a:t>
+            </a:r>
+            <a:r>
+              <a:rPr lang="es-ES" dirty="0" smtClean="0"/>
+              <a:t>páginas </a:t>
+            </a:r>
+            <a:r>
+              <a:rPr lang="es-ES" dirty="0" smtClean="0"/>
+              <a:t>de internet. Con estas herramientas se podría pensar experimentos sencillos y cortos, pero que se realicen de manera masiva, para explorar aspectos hasta ahora no trabajados.</a:t>
             </a:r>
           </a:p>
         </p:txBody>
@@ -23613,7 +23924,15 @@
             <a:pPr algn="ctr"/>
             <a:r>
               <a:rPr lang="es-ES" sz="2000" dirty="0" smtClean="0"/>
-              <a:t>¿Hasta que punto funciona?</a:t>
+              <a:t>¿Hasta </a:t>
+            </a:r>
+            <a:r>
+              <a:rPr lang="es-ES" sz="2000" dirty="0" smtClean="0"/>
+              <a:t>qué </a:t>
+            </a:r>
+            <a:r>
+              <a:rPr lang="es-ES" sz="2000" dirty="0" smtClean="0"/>
+              <a:t>punto funciona?</a:t>
             </a:r>
             <a:endParaRPr lang="es-ES" sz="2000" dirty="0"/>
           </a:p>
@@ -24224,7 +24543,15 @@
             <a:pPr algn="ctr"/>
             <a:r>
               <a:rPr lang="es-ES" sz="2000" dirty="0" smtClean="0"/>
-              <a:t>¿Hasta que punto funciona? II</a:t>
+              <a:t>¿Hasta </a:t>
+            </a:r>
+            <a:r>
+              <a:rPr lang="es-ES" sz="2000" dirty="0" smtClean="0"/>
+              <a:t>qué </a:t>
+            </a:r>
+            <a:r>
+              <a:rPr lang="es-ES" sz="2000" dirty="0" smtClean="0"/>
+              <a:t>punto funciona? II</a:t>
             </a:r>
             <a:endParaRPr lang="es-ES" sz="2000" dirty="0"/>
           </a:p>
@@ -27701,7 +28028,15 @@
             </a:pPr>
             <a:r>
               <a:rPr lang="es-ES" dirty="0" smtClean="0"/>
-              <a:t>¿De que depende la capacidad de distinguir los estímulos? </a:t>
+              <a:t>¿De </a:t>
+            </a:r>
+            <a:r>
+              <a:rPr lang="es-ES" dirty="0" smtClean="0"/>
+              <a:t>qué </a:t>
+            </a:r>
+            <a:r>
+              <a:rPr lang="es-ES" dirty="0" smtClean="0"/>
+              <a:t>depende la capacidad de distinguir los estímulos? </a:t>
             </a:r>
           </a:p>
           <a:p>
@@ -27739,7 +28074,15 @@
             </a:pPr>
             <a:r>
               <a:rPr lang="es-ES" dirty="0" smtClean="0"/>
-              <a:t>La mejora, ¿es especifica en lo entrenado?</a:t>
+              <a:t>La mejora, ¿es </a:t>
+            </a:r>
+            <a:r>
+              <a:rPr lang="es-ES" dirty="0" smtClean="0"/>
+              <a:t>específica </a:t>
+            </a:r>
+            <a:r>
+              <a:rPr lang="es-ES" dirty="0" smtClean="0"/>
+              <a:t>en lo entrenado?</a:t>
             </a:r>
           </a:p>
           <a:p>
